--- a/05. Branch concept/Presentation/Branch concept.pptx
+++ b/05. Branch concept/Presentation/Branch concept.pptx
@@ -7,7 +7,7 @@
     <p:sldMasterId id="2147483672" r:id="rId3"/>
   </p:sldMasterIdLst>
   <p:notesMasterIdLst>
-    <p:notesMasterId r:id="rId10"/>
+    <p:notesMasterId r:id="rId11"/>
   </p:notesMasterIdLst>
   <p:sldIdLst>
     <p:sldId id="371" r:id="rId4"/>
@@ -16,6 +16,7 @@
     <p:sldId id="398" r:id="rId7"/>
     <p:sldId id="399" r:id="rId8"/>
     <p:sldId id="400" r:id="rId9"/>
+    <p:sldId id="401" r:id="rId10"/>
   </p:sldIdLst>
   <p:sldSz cx="12192000" cy="6858000"/>
   <p:notesSz cx="6858000" cy="9144000"/>
@@ -204,7 +205,7 @@
           <a:p>
             <a:fld id="{7387BF4C-1AC5-8047-9CB7-F6FE835C9ED7}" type="datetimeFigureOut">
               <a:rPr lang="en-US" smtClean="0"/>
-              <a:t>8/14/23</a:t>
+              <a:t>9/4/23</a:t>
             </a:fld>
             <a:endParaRPr lang="en-US"/>
           </a:p>
@@ -706,7 +707,7 @@
           <a:p>
             <a:fld id="{490E0566-2D9A-8349-94CE-22DF369B8F30}" type="datetime1">
               <a:rPr lang="en-US" smtClean="0"/>
-              <a:t>8/14/23</a:t>
+              <a:t>9/4/23</a:t>
             </a:fld>
             <a:endParaRPr lang="en-US"/>
           </a:p>
@@ -907,7 +908,7 @@
           <a:p>
             <a:fld id="{77D82A1C-DCCB-F942-B4C8-2616E50FC610}" type="datetime1">
               <a:rPr lang="en-US" smtClean="0"/>
-              <a:t>8/14/23</a:t>
+              <a:t>9/4/23</a:t>
             </a:fld>
             <a:endParaRPr lang="en-US"/>
           </a:p>
@@ -1118,7 +1119,7 @@
           <a:p>
             <a:fld id="{047ECBFF-73A1-A944-AFD4-F359C9557B10}" type="datetime1">
               <a:rPr lang="en-US" smtClean="0"/>
-              <a:t>8/14/23</a:t>
+              <a:t>9/4/23</a:t>
             </a:fld>
             <a:endParaRPr lang="en-US"/>
           </a:p>
@@ -1341,7 +1342,7 @@
           <a:p>
             <a:fld id="{490E0566-2D9A-8349-94CE-22DF369B8F30}" type="datetime1">
               <a:rPr lang="en-US" smtClean="0"/>
-              <a:t>8/14/23</a:t>
+              <a:t>9/4/23</a:t>
             </a:fld>
             <a:endParaRPr lang="en-US"/>
           </a:p>
@@ -1542,7 +1543,7 @@
           <a:p>
             <a:fld id="{F4C6DED6-70D8-F640-A3FF-0DAAD5020B2E}" type="datetime1">
               <a:rPr lang="en-US" smtClean="0"/>
-              <a:t>8/14/23</a:t>
+              <a:t>9/4/23</a:t>
             </a:fld>
             <a:endParaRPr lang="en-US"/>
           </a:p>
@@ -1820,7 +1821,7 @@
           <a:p>
             <a:fld id="{315BBD7F-BEBD-8A4D-8771-D6866751C9CB}" type="datetime1">
               <a:rPr lang="en-US" smtClean="0"/>
-              <a:t>8/14/23</a:t>
+              <a:t>9/4/23</a:t>
             </a:fld>
             <a:endParaRPr lang="en-US"/>
           </a:p>
@@ -2088,7 +2089,7 @@
           <a:p>
             <a:fld id="{732B2173-0BAA-D644-B2E1-15CD564136DA}" type="datetime1">
               <a:rPr lang="en-US" smtClean="0"/>
-              <a:t>8/14/23</a:t>
+              <a:t>9/4/23</a:t>
             </a:fld>
             <a:endParaRPr lang="en-US"/>
           </a:p>
@@ -2503,7 +2504,7 @@
           <a:p>
             <a:fld id="{460457B8-75DE-F14E-B35F-7D7AA7D67DC5}" type="datetime1">
               <a:rPr lang="en-US" smtClean="0"/>
-              <a:t>8/14/23</a:t>
+              <a:t>9/4/23</a:t>
             </a:fld>
             <a:endParaRPr lang="en-US"/>
           </a:p>
@@ -2647,7 +2648,7 @@
           <a:p>
             <a:fld id="{99E91BB6-5CF1-E946-8756-B969CA4EAC90}" type="datetime1">
               <a:rPr lang="en-US" smtClean="0"/>
-              <a:t>8/14/23</a:t>
+              <a:t>9/4/23</a:t>
             </a:fld>
             <a:endParaRPr lang="en-US"/>
           </a:p>
@@ -2763,7 +2764,7 @@
           <a:p>
             <a:fld id="{D3592C8E-4E5B-8D4D-9A2C-ED2D4214E42D}" type="datetime1">
               <a:rPr lang="en-US" smtClean="0"/>
-              <a:t>8/14/23</a:t>
+              <a:t>9/4/23</a:t>
             </a:fld>
             <a:endParaRPr lang="en-US"/>
           </a:p>
@@ -3077,7 +3078,7 @@
           <a:p>
             <a:fld id="{A185CA14-CC43-E04C-A1B9-DA538B78C78B}" type="datetime1">
               <a:rPr lang="en-US" smtClean="0"/>
-              <a:t>8/14/23</a:t>
+              <a:t>9/4/23</a:t>
             </a:fld>
             <a:endParaRPr lang="en-US"/>
           </a:p>
@@ -3278,7 +3279,7 @@
           <a:p>
             <a:fld id="{F4C6DED6-70D8-F640-A3FF-0DAAD5020B2E}" type="datetime1">
               <a:rPr lang="en-US" smtClean="0"/>
-              <a:t>8/14/23</a:t>
+              <a:t>9/4/23</a:t>
             </a:fld>
             <a:endParaRPr lang="en-US"/>
           </a:p>
@@ -3569,7 +3570,7 @@
           <a:p>
             <a:fld id="{7BFD17D5-B327-1746-9545-80B79DBEEDDD}" type="datetime1">
               <a:rPr lang="en-US" smtClean="0"/>
-              <a:t>8/14/23</a:t>
+              <a:t>9/4/23</a:t>
             </a:fld>
             <a:endParaRPr lang="en-US"/>
           </a:p>
@@ -3770,7 +3771,7 @@
           <a:p>
             <a:fld id="{77D82A1C-DCCB-F942-B4C8-2616E50FC610}" type="datetime1">
               <a:rPr lang="en-US" smtClean="0"/>
-              <a:t>8/14/23</a:t>
+              <a:t>9/4/23</a:t>
             </a:fld>
             <a:endParaRPr lang="en-US"/>
           </a:p>
@@ -3981,7 +3982,7 @@
           <a:p>
             <a:fld id="{047ECBFF-73A1-A944-AFD4-F359C9557B10}" type="datetime1">
               <a:rPr lang="en-US" smtClean="0"/>
-              <a:t>8/14/23</a:t>
+              <a:t>9/4/23</a:t>
             </a:fld>
             <a:endParaRPr lang="en-US"/>
           </a:p>
@@ -4204,7 +4205,7 @@
           <a:p>
             <a:fld id="{490E0566-2D9A-8349-94CE-22DF369B8F30}" type="datetime1">
               <a:rPr lang="en-US" smtClean="0"/>
-              <a:t>8/14/23</a:t>
+              <a:t>9/4/23</a:t>
             </a:fld>
             <a:endParaRPr lang="en-US"/>
           </a:p>
@@ -4405,7 +4406,7 @@
           <a:p>
             <a:fld id="{F4C6DED6-70D8-F640-A3FF-0DAAD5020B2E}" type="datetime1">
               <a:rPr lang="en-US" smtClean="0"/>
-              <a:t>8/14/23</a:t>
+              <a:t>9/4/23</a:t>
             </a:fld>
             <a:endParaRPr lang="en-US"/>
           </a:p>
@@ -4683,7 +4684,7 @@
           <a:p>
             <a:fld id="{315BBD7F-BEBD-8A4D-8771-D6866751C9CB}" type="datetime1">
               <a:rPr lang="en-US" smtClean="0"/>
-              <a:t>8/14/23</a:t>
+              <a:t>9/4/23</a:t>
             </a:fld>
             <a:endParaRPr lang="en-US"/>
           </a:p>
@@ -4951,7 +4952,7 @@
           <a:p>
             <a:fld id="{732B2173-0BAA-D644-B2E1-15CD564136DA}" type="datetime1">
               <a:rPr lang="en-US" smtClean="0"/>
-              <a:t>8/14/23</a:t>
+              <a:t>9/4/23</a:t>
             </a:fld>
             <a:endParaRPr lang="en-US"/>
           </a:p>
@@ -5366,7 +5367,7 @@
           <a:p>
             <a:fld id="{460457B8-75DE-F14E-B35F-7D7AA7D67DC5}" type="datetime1">
               <a:rPr lang="en-US" smtClean="0"/>
-              <a:t>8/14/23</a:t>
+              <a:t>9/4/23</a:t>
             </a:fld>
             <a:endParaRPr lang="en-US"/>
           </a:p>
@@ -5510,7 +5511,7 @@
           <a:p>
             <a:fld id="{99E91BB6-5CF1-E946-8756-B969CA4EAC90}" type="datetime1">
               <a:rPr lang="en-US" smtClean="0"/>
-              <a:t>8/14/23</a:t>
+              <a:t>9/4/23</a:t>
             </a:fld>
             <a:endParaRPr lang="en-US"/>
           </a:p>
@@ -5626,7 +5627,7 @@
           <a:p>
             <a:fld id="{D3592C8E-4E5B-8D4D-9A2C-ED2D4214E42D}" type="datetime1">
               <a:rPr lang="en-US" smtClean="0"/>
-              <a:t>8/14/23</a:t>
+              <a:t>9/4/23</a:t>
             </a:fld>
             <a:endParaRPr lang="en-US"/>
           </a:p>
@@ -5904,7 +5905,7 @@
           <a:p>
             <a:fld id="{315BBD7F-BEBD-8A4D-8771-D6866751C9CB}" type="datetime1">
               <a:rPr lang="en-US" smtClean="0"/>
-              <a:t>8/14/23</a:t>
+              <a:t>9/4/23</a:t>
             </a:fld>
             <a:endParaRPr lang="en-US"/>
           </a:p>
@@ -6218,7 +6219,7 @@
           <a:p>
             <a:fld id="{A185CA14-CC43-E04C-A1B9-DA538B78C78B}" type="datetime1">
               <a:rPr lang="en-US" smtClean="0"/>
-              <a:t>8/14/23</a:t>
+              <a:t>9/4/23</a:t>
             </a:fld>
             <a:endParaRPr lang="en-US"/>
           </a:p>
@@ -6509,7 +6510,7 @@
           <a:p>
             <a:fld id="{7BFD17D5-B327-1746-9545-80B79DBEEDDD}" type="datetime1">
               <a:rPr lang="en-US" smtClean="0"/>
-              <a:t>8/14/23</a:t>
+              <a:t>9/4/23</a:t>
             </a:fld>
             <a:endParaRPr lang="en-US"/>
           </a:p>
@@ -6710,7 +6711,7 @@
           <a:p>
             <a:fld id="{77D82A1C-DCCB-F942-B4C8-2616E50FC610}" type="datetime1">
               <a:rPr lang="en-US" smtClean="0"/>
-              <a:t>8/14/23</a:t>
+              <a:t>9/4/23</a:t>
             </a:fld>
             <a:endParaRPr lang="en-US"/>
           </a:p>
@@ -6921,7 +6922,7 @@
           <a:p>
             <a:fld id="{047ECBFF-73A1-A944-AFD4-F359C9557B10}" type="datetime1">
               <a:rPr lang="en-US" smtClean="0"/>
-              <a:t>8/14/23</a:t>
+              <a:t>9/4/23</a:t>
             </a:fld>
             <a:endParaRPr lang="en-US"/>
           </a:p>
@@ -7189,7 +7190,7 @@
           <a:p>
             <a:fld id="{732B2173-0BAA-D644-B2E1-15CD564136DA}" type="datetime1">
               <a:rPr lang="en-US" smtClean="0"/>
-              <a:t>8/14/23</a:t>
+              <a:t>9/4/23</a:t>
             </a:fld>
             <a:endParaRPr lang="en-US"/>
           </a:p>
@@ -7604,7 +7605,7 @@
           <a:p>
             <a:fld id="{460457B8-75DE-F14E-B35F-7D7AA7D67DC5}" type="datetime1">
               <a:rPr lang="en-US" smtClean="0"/>
-              <a:t>8/14/23</a:t>
+              <a:t>9/4/23</a:t>
             </a:fld>
             <a:endParaRPr lang="en-US"/>
           </a:p>
@@ -7748,7 +7749,7 @@
           <a:p>
             <a:fld id="{99E91BB6-5CF1-E946-8756-B969CA4EAC90}" type="datetime1">
               <a:rPr lang="en-US" smtClean="0"/>
-              <a:t>8/14/23</a:t>
+              <a:t>9/4/23</a:t>
             </a:fld>
             <a:endParaRPr lang="en-US"/>
           </a:p>
@@ -7864,7 +7865,7 @@
           <a:p>
             <a:fld id="{D3592C8E-4E5B-8D4D-9A2C-ED2D4214E42D}" type="datetime1">
               <a:rPr lang="en-US" smtClean="0"/>
-              <a:t>8/14/23</a:t>
+              <a:t>9/4/23</a:t>
             </a:fld>
             <a:endParaRPr lang="en-US"/>
           </a:p>
@@ -8178,7 +8179,7 @@
           <a:p>
             <a:fld id="{A185CA14-CC43-E04C-A1B9-DA538B78C78B}" type="datetime1">
               <a:rPr lang="en-US" smtClean="0"/>
-              <a:t>8/14/23</a:t>
+              <a:t>9/4/23</a:t>
             </a:fld>
             <a:endParaRPr lang="en-US"/>
           </a:p>
@@ -8469,7 +8470,7 @@
           <a:p>
             <a:fld id="{7BFD17D5-B327-1746-9545-80B79DBEEDDD}" type="datetime1">
               <a:rPr lang="en-US" smtClean="0"/>
-              <a:t>8/14/23</a:t>
+              <a:t>9/4/23</a:t>
             </a:fld>
             <a:endParaRPr lang="en-US"/>
           </a:p>
@@ -8716,7 +8717,7 @@
           <a:p>
             <a:fld id="{0362EEAF-02AB-9644-9FA5-CC38EBED914C}" type="datetime1">
               <a:rPr lang="en-US" smtClean="0"/>
-              <a:t>8/14/23</a:t>
+              <a:t>9/4/23</a:t>
             </a:fld>
             <a:endParaRPr lang="en-US"/>
           </a:p>
@@ -9291,7 +9292,7 @@
           <a:p>
             <a:fld id="{0362EEAF-02AB-9644-9FA5-CC38EBED914C}" type="datetime1">
               <a:rPr lang="en-US" smtClean="0"/>
-              <a:t>8/14/23</a:t>
+              <a:t>9/4/23</a:t>
             </a:fld>
             <a:endParaRPr lang="en-US"/>
           </a:p>
@@ -9866,7 +9867,7 @@
           <a:p>
             <a:fld id="{0362EEAF-02AB-9644-9FA5-CC38EBED914C}" type="datetime1">
               <a:rPr lang="en-US" smtClean="0"/>
-              <a:t>8/14/23</a:t>
+              <a:t>9/4/23</a:t>
             </a:fld>
             <a:endParaRPr lang="en-US"/>
           </a:p>
@@ -13319,7 +13320,7 @@
               <a:rPr lang="en-US" altLang="en-US" dirty="0">
                 <a:latin typeface="Calibri" panose="020F0502020204030204" pitchFamily="34" charset="0"/>
               </a:rPr>
-              <a:t>Git Terminology</a:t>
+              <a:t>Branch Merge</a:t>
             </a:r>
             <a:endParaRPr lang="en-US" altLang="en-US" dirty="0"/>
           </a:p>
@@ -13327,1247 +13328,365 @@
       </p:sp>
       <p:sp>
         <p:nvSpPr>
-          <p:cNvPr id="5" name="Content Placeholder 2">
-            <a:extLst>
-              <a:ext uri="{FF2B5EF4-FFF2-40B4-BE49-F238E27FC236}">
-                <a16:creationId xmlns:a16="http://schemas.microsoft.com/office/drawing/2014/main" id="{9E89BE17-59D2-1320-7115-EEDF0A59DE7E}"/>
-              </a:ext>
-            </a:extLst>
-          </p:cNvPr>
-          <p:cNvSpPr txBox="1">
-            <a:spLocks/>
-          </p:cNvSpPr>
+          <p:cNvPr id="3" name="Oval 2">
+            <a:extLst>
+              <a:ext uri="{FF2B5EF4-FFF2-40B4-BE49-F238E27FC236}">
+                <a16:creationId xmlns:a16="http://schemas.microsoft.com/office/drawing/2014/main" id="{7172D516-5F49-B0DE-21B0-F88C420A39AF}"/>
+              </a:ext>
+            </a:extLst>
+          </p:cNvPr>
+          <p:cNvSpPr/>
           <p:nvPr/>
         </p:nvSpPr>
         <p:spPr>
           <a:xfrm>
-            <a:off x="991984" y="1690688"/>
-            <a:ext cx="10463415" cy="4608511"/>
+            <a:off x="1545262" y="2551822"/>
+            <a:ext cx="957943" cy="957943"/>
           </a:xfrm>
-          <a:prstGeom prst="rect">
+          <a:prstGeom prst="ellipse">
             <a:avLst/>
           </a:prstGeom>
+          <a:noFill/>
         </p:spPr>
-        <p:txBody>
-          <a:bodyPr vert="horz" lIns="45720" tIns="45720" rIns="45720" bIns="45720" rtlCol="0">
-            <a:normAutofit/>
-          </a:bodyPr>
-          <a:lstStyle>
-            <a:lvl1pPr marL="228600" indent="-228600">
-              <a:lnSpc>
-                <a:spcPct val="90000"/>
-              </a:lnSpc>
-              <a:spcBef>
-                <a:spcPts val="1000"/>
-              </a:spcBef>
-              <a:buClr>
-                <a:schemeClr val="accent2"/>
-              </a:buClr>
-              <a:buFont typeface="Courier New" panose="02070309020205020404" pitchFamily="49" charset="0"/>
-              <a:buChar char="o"/>
-              <a:defRPr sz="2800">
-                <a:latin typeface="Calibri" panose="020F0502020204030204" pitchFamily="34" charset="0"/>
-              </a:defRPr>
-            </a:lvl1pPr>
-            <a:lvl2pPr marL="685800" indent="-228600">
-              <a:lnSpc>
-                <a:spcPct val="90000"/>
-              </a:lnSpc>
-              <a:spcBef>
-                <a:spcPts val="500"/>
-              </a:spcBef>
-              <a:buFont typeface="Arial" panose="020B0604020202020204" pitchFamily="34" charset="0"/>
-              <a:buChar char="•"/>
-              <a:defRPr sz="2400"/>
-            </a:lvl2pPr>
-            <a:lvl3pPr marL="1143000" indent="-228600">
-              <a:lnSpc>
-                <a:spcPct val="90000"/>
-              </a:lnSpc>
-              <a:spcBef>
-                <a:spcPts val="500"/>
-              </a:spcBef>
-              <a:buFont typeface="Arial" panose="020B0604020202020204" pitchFamily="34" charset="0"/>
-              <a:buChar char="•"/>
-              <a:defRPr sz="2000"/>
-            </a:lvl3pPr>
-            <a:lvl4pPr marL="1600200" indent="-228600">
-              <a:lnSpc>
-                <a:spcPct val="90000"/>
-              </a:lnSpc>
-              <a:spcBef>
-                <a:spcPts val="500"/>
-              </a:spcBef>
-              <a:buFont typeface="Arial" panose="020B0604020202020204" pitchFamily="34" charset="0"/>
-              <a:buChar char="•"/>
-            </a:lvl4pPr>
-            <a:lvl5pPr marL="2057400" indent="-228600">
-              <a:lnSpc>
-                <a:spcPct val="90000"/>
-              </a:lnSpc>
-              <a:spcBef>
-                <a:spcPts val="500"/>
-              </a:spcBef>
-              <a:buFont typeface="Arial" panose="020B0604020202020204" pitchFamily="34" charset="0"/>
-              <a:buChar char="•"/>
-            </a:lvl5pPr>
-            <a:lvl6pPr marL="2514600" indent="-228600">
-              <a:lnSpc>
-                <a:spcPct val="90000"/>
-              </a:lnSpc>
-              <a:spcBef>
-                <a:spcPts val="500"/>
-              </a:spcBef>
-              <a:buFont typeface="Arial" panose="020B0604020202020204" pitchFamily="34" charset="0"/>
-              <a:buChar char="•"/>
-            </a:lvl6pPr>
-            <a:lvl7pPr marL="2971800" indent="-228600">
-              <a:lnSpc>
-                <a:spcPct val="90000"/>
-              </a:lnSpc>
-              <a:spcBef>
-                <a:spcPts val="500"/>
-              </a:spcBef>
-              <a:buFont typeface="Arial" panose="020B0604020202020204" pitchFamily="34" charset="0"/>
-              <a:buChar char="•"/>
-            </a:lvl7pPr>
-            <a:lvl8pPr marL="3429000" indent="-228600">
-              <a:lnSpc>
-                <a:spcPct val="90000"/>
-              </a:lnSpc>
-              <a:spcBef>
-                <a:spcPts val="500"/>
-              </a:spcBef>
-              <a:buFont typeface="Arial" panose="020B0604020202020204" pitchFamily="34" charset="0"/>
-              <a:buChar char="•"/>
-            </a:lvl8pPr>
-            <a:lvl9pPr marL="3886200" indent="-228600">
-              <a:lnSpc>
-                <a:spcPct val="90000"/>
-              </a:lnSpc>
-              <a:spcBef>
-                <a:spcPts val="500"/>
-              </a:spcBef>
-              <a:buFont typeface="Arial" panose="020B0604020202020204" pitchFamily="34" charset="0"/>
-              <a:buChar char="•"/>
-            </a:lvl9pPr>
-          </a:lstStyle>
-          <a:p>
-            <a:r>
-              <a:rPr lang="en-US" dirty="0"/>
-              <a:t>Commit: A point for file changes, like a milestone marker on the road.</a:t>
-            </a:r>
-          </a:p>
-          <a:p>
-            <a:r>
-              <a:rPr lang="en-US" dirty="0"/>
-              <a:t>Push and Pull operation:</a:t>
-            </a:r>
-          </a:p>
-          <a:p>
-            <a:pPr lvl="1"/>
-            <a:r>
-              <a:rPr lang="en-US" dirty="0"/>
-              <a:t>Push is an operation to move the commit changes from the local to the remote repository</a:t>
-            </a:r>
-          </a:p>
-          <a:p>
-            <a:pPr lvl="1"/>
-            <a:r>
-              <a:rPr lang="en-US" dirty="0"/>
-              <a:t>Pull is an operation to update commit changes from the remote to the local repository</a:t>
-            </a:r>
-          </a:p>
-        </p:txBody>
-      </p:sp>
-      <p:pic>
-        <p:nvPicPr>
-          <p:cNvPr id="4" name="Graphic 3" descr="Box trolley with solid fill">
-            <a:extLst>
-              <a:ext uri="{FF2B5EF4-FFF2-40B4-BE49-F238E27FC236}">
-                <a16:creationId xmlns:a16="http://schemas.microsoft.com/office/drawing/2014/main" id="{64FCCF62-D5C8-5452-D51A-74CEC89BE56A}"/>
-              </a:ext>
-            </a:extLst>
-          </p:cNvPr>
-          <p:cNvPicPr>
-            <a:picLocks noChangeAspect="1"/>
-          </p:cNvPicPr>
+        <p:style>
+          <a:lnRef idx="2">
+            <a:schemeClr val="accent1">
+              <a:shade val="15000"/>
+            </a:schemeClr>
+          </a:lnRef>
+          <a:fillRef idx="1">
+            <a:schemeClr val="accent1"/>
+          </a:fillRef>
+          <a:effectRef idx="0">
+            <a:schemeClr val="accent1"/>
+          </a:effectRef>
+          <a:fontRef idx="minor">
+            <a:schemeClr val="lt1"/>
+          </a:fontRef>
+        </p:style>
+        <p:txBody>
+          <a:bodyPr rtlCol="0" anchor="ctr"/>
+          <a:lstStyle/>
+          <a:p>
+            <a:pPr algn="ctr"/>
+            <a:r>
+              <a:rPr lang="en-US" b="1" dirty="0">
+                <a:solidFill>
+                  <a:schemeClr val="tx1"/>
+                </a:solidFill>
+              </a:rPr>
+              <a:t>A</a:t>
+            </a:r>
+          </a:p>
+        </p:txBody>
+      </p:sp>
+      <p:sp>
+        <p:nvSpPr>
+          <p:cNvPr id="4" name="Oval 3">
+            <a:extLst>
+              <a:ext uri="{FF2B5EF4-FFF2-40B4-BE49-F238E27FC236}">
+                <a16:creationId xmlns:a16="http://schemas.microsoft.com/office/drawing/2014/main" id="{2F11279D-A009-1732-152A-A5CB53DC791D}"/>
+              </a:ext>
+            </a:extLst>
+          </p:cNvPr>
+          <p:cNvSpPr/>
           <p:nvPr/>
-        </p:nvPicPr>
-        <p:blipFill>
-          <a:blip r:embed="rId3">
-            <a:extLst>
-              <a:ext uri="{96DAC541-7B7A-43D3-8B79-37D633B846F1}">
-                <asvg:svgBlip xmlns:asvg="http://schemas.microsoft.com/office/drawing/2016/SVG/main" r:embed="rId4"/>
-              </a:ext>
-            </a:extLst>
-          </a:blip>
-          <a:stretch>
-            <a:fillRect/>
-          </a:stretch>
-        </p:blipFill>
+        </p:nvSpPr>
         <p:spPr>
           <a:xfrm>
-            <a:off x="5885913" y="4308675"/>
-            <a:ext cx="760616" cy="760616"/>
+            <a:off x="7826783" y="2551822"/>
+            <a:ext cx="957943" cy="957943"/>
           </a:xfrm>
-          <a:prstGeom prst="rect">
+          <a:prstGeom prst="ellipse">
             <a:avLst/>
           </a:prstGeom>
+          <a:noFill/>
         </p:spPr>
-      </p:pic>
-      <p:grpSp>
-        <p:nvGrpSpPr>
-          <p:cNvPr id="10" name="Graphic 6" descr="Man changing baby with solid fill">
-            <a:extLst>
-              <a:ext uri="{FF2B5EF4-FFF2-40B4-BE49-F238E27FC236}">
-                <a16:creationId xmlns:a16="http://schemas.microsoft.com/office/drawing/2014/main" id="{32CE3F93-CFC2-79AB-2E7A-384C8B2C5C42}"/>
-              </a:ext>
-            </a:extLst>
-          </p:cNvPr>
-          <p:cNvGrpSpPr/>
+        <p:style>
+          <a:lnRef idx="2">
+            <a:schemeClr val="accent1">
+              <a:shade val="15000"/>
+            </a:schemeClr>
+          </a:lnRef>
+          <a:fillRef idx="1">
+            <a:schemeClr val="accent1"/>
+          </a:fillRef>
+          <a:effectRef idx="0">
+            <a:schemeClr val="accent1"/>
+          </a:effectRef>
+          <a:fontRef idx="minor">
+            <a:schemeClr val="lt1"/>
+          </a:fontRef>
+        </p:style>
+        <p:txBody>
+          <a:bodyPr rtlCol="0" anchor="ctr"/>
+          <a:lstStyle/>
+          <a:p>
+            <a:pPr algn="ctr"/>
+            <a:r>
+              <a:rPr lang="en-US" b="1" dirty="0">
+                <a:solidFill>
+                  <a:schemeClr val="tx1"/>
+                </a:solidFill>
+              </a:rPr>
+              <a:t>C</a:t>
+            </a:r>
+          </a:p>
+        </p:txBody>
+      </p:sp>
+      <p:sp>
+        <p:nvSpPr>
+          <p:cNvPr id="6" name="Oval 5">
+            <a:extLst>
+              <a:ext uri="{FF2B5EF4-FFF2-40B4-BE49-F238E27FC236}">
+                <a16:creationId xmlns:a16="http://schemas.microsoft.com/office/drawing/2014/main" id="{AE226EED-D28E-71A8-B7FE-2BE8257BC1DB}"/>
+              </a:ext>
+            </a:extLst>
+          </p:cNvPr>
+          <p:cNvSpPr/>
           <p:nvPr/>
-        </p:nvGrpSpPr>
-        <p:grpSpPr>
-          <a:xfrm>
-            <a:off x="5665764" y="4121944"/>
-            <a:ext cx="370478" cy="914400"/>
-            <a:chOff x="2532279" y="4932362"/>
-            <a:chExt cx="448270" cy="676275"/>
-          </a:xfrm>
-          <a:solidFill>
-            <a:srgbClr val="000000"/>
-          </a:solidFill>
-        </p:grpSpPr>
-        <p:sp>
-          <p:nvSpPr>
-            <p:cNvPr id="12" name="Freeform 11">
-              <a:extLst>
-                <a:ext uri="{FF2B5EF4-FFF2-40B4-BE49-F238E27FC236}">
-                  <a16:creationId xmlns:a16="http://schemas.microsoft.com/office/drawing/2014/main" id="{0A2E67B4-CEA8-F154-6E02-B82A3EB929F0}"/>
-                </a:ext>
-              </a:extLst>
-            </p:cNvPr>
-            <p:cNvSpPr/>
-            <p:nvPr/>
-          </p:nvSpPr>
-          <p:spPr>
-            <a:xfrm>
-              <a:off x="2828149" y="4932362"/>
-              <a:ext cx="152400" cy="152400"/>
-            </a:xfrm>
-            <a:custGeom>
-              <a:avLst/>
-              <a:gdLst>
-                <a:gd name="connsiteX0" fmla="*/ 152400 w 152400"/>
-                <a:gd name="connsiteY0" fmla="*/ 76200 h 152400"/>
-                <a:gd name="connsiteX1" fmla="*/ 76200 w 152400"/>
-                <a:gd name="connsiteY1" fmla="*/ 152400 h 152400"/>
-                <a:gd name="connsiteX2" fmla="*/ 0 w 152400"/>
-                <a:gd name="connsiteY2" fmla="*/ 76200 h 152400"/>
-                <a:gd name="connsiteX3" fmla="*/ 76200 w 152400"/>
-                <a:gd name="connsiteY3" fmla="*/ 0 h 152400"/>
-                <a:gd name="connsiteX4" fmla="*/ 152400 w 152400"/>
-                <a:gd name="connsiteY4" fmla="*/ 76200 h 152400"/>
-              </a:gdLst>
-              <a:ahLst/>
-              <a:cxnLst>
-                <a:cxn ang="0">
-                  <a:pos x="connsiteX0" y="connsiteY0"/>
-                </a:cxn>
-                <a:cxn ang="0">
-                  <a:pos x="connsiteX1" y="connsiteY1"/>
-                </a:cxn>
-                <a:cxn ang="0">
-                  <a:pos x="connsiteX2" y="connsiteY2"/>
-                </a:cxn>
-                <a:cxn ang="0">
-                  <a:pos x="connsiteX3" y="connsiteY3"/>
-                </a:cxn>
-                <a:cxn ang="0">
-                  <a:pos x="connsiteX4" y="connsiteY4"/>
-                </a:cxn>
-              </a:cxnLst>
-              <a:rect l="l" t="t" r="r" b="b"/>
-              <a:pathLst>
-                <a:path w="152400" h="152400">
-                  <a:moveTo>
-                    <a:pt x="152400" y="76200"/>
-                  </a:moveTo>
-                  <a:cubicBezTo>
-                    <a:pt x="152400" y="118284"/>
-                    <a:pt x="118284" y="152400"/>
-                    <a:pt x="76200" y="152400"/>
-                  </a:cubicBezTo>
-                  <a:cubicBezTo>
-                    <a:pt x="34116" y="152400"/>
-                    <a:pt x="0" y="118284"/>
-                    <a:pt x="0" y="76200"/>
-                  </a:cubicBezTo>
-                  <a:cubicBezTo>
-                    <a:pt x="0" y="34116"/>
-                    <a:pt x="34116" y="0"/>
-                    <a:pt x="76200" y="0"/>
-                  </a:cubicBezTo>
-                  <a:cubicBezTo>
-                    <a:pt x="118284" y="0"/>
-                    <a:pt x="152400" y="34116"/>
-                    <a:pt x="152400" y="76200"/>
-                  </a:cubicBezTo>
-                  <a:close/>
-                </a:path>
-              </a:pathLst>
-            </a:custGeom>
-            <a:solidFill>
-              <a:srgbClr val="000000"/>
-            </a:solidFill>
-            <a:ln w="9525" cap="flat">
-              <a:noFill/>
-              <a:prstDash val="solid"/>
-              <a:miter/>
-            </a:ln>
-          </p:spPr>
-          <p:txBody>
-            <a:bodyPr rtlCol="0" anchor="ctr"/>
-            <a:lstStyle/>
-            <a:p>
-              <a:endParaRPr lang="en-US"/>
-            </a:p>
-          </p:txBody>
-        </p:sp>
-        <p:sp>
-          <p:nvSpPr>
-            <p:cNvPr id="15" name="Freeform 14">
-              <a:extLst>
-                <a:ext uri="{FF2B5EF4-FFF2-40B4-BE49-F238E27FC236}">
-                  <a16:creationId xmlns:a16="http://schemas.microsoft.com/office/drawing/2014/main" id="{ADEC3364-7394-282D-564C-88DB6F6E19FA}"/>
-                </a:ext>
-              </a:extLst>
-            </p:cNvPr>
-            <p:cNvSpPr/>
-            <p:nvPr/>
-          </p:nvSpPr>
-          <p:spPr>
-            <a:xfrm>
-              <a:off x="2532279" y="5008766"/>
-              <a:ext cx="447786" cy="599871"/>
-            </a:xfrm>
-            <a:custGeom>
-              <a:avLst/>
-              <a:gdLst>
-                <a:gd name="connsiteX0" fmla="*/ 410170 w 447786"/>
-                <a:gd name="connsiteY0" fmla="*/ 237921 h 599871"/>
-                <a:gd name="connsiteX1" fmla="*/ 444460 w 447786"/>
-                <a:gd name="connsiteY1" fmla="*/ 216014 h 599871"/>
-                <a:gd name="connsiteX2" fmla="*/ 425410 w 447786"/>
-                <a:gd name="connsiteY2" fmla="*/ 165531 h 599871"/>
-                <a:gd name="connsiteX3" fmla="*/ 314920 w 447786"/>
-                <a:gd name="connsiteY3" fmla="*/ 114096 h 599871"/>
-                <a:gd name="connsiteX4" fmla="*/ 272057 w 447786"/>
-                <a:gd name="connsiteY4" fmla="*/ 19799 h 599871"/>
-                <a:gd name="connsiteX5" fmla="*/ 191095 w 447786"/>
-                <a:gd name="connsiteY5" fmla="*/ 14084 h 599871"/>
-                <a:gd name="connsiteX6" fmla="*/ 19645 w 447786"/>
-                <a:gd name="connsiteY6" fmla="*/ 162674 h 599871"/>
-                <a:gd name="connsiteX7" fmla="*/ 595 w 447786"/>
-                <a:gd name="connsiteY7" fmla="*/ 214109 h 599871"/>
-                <a:gd name="connsiteX8" fmla="*/ 19645 w 447786"/>
-                <a:gd name="connsiteY8" fmla="*/ 375081 h 599871"/>
-                <a:gd name="connsiteX9" fmla="*/ 595 w 447786"/>
-                <a:gd name="connsiteY9" fmla="*/ 557961 h 599871"/>
-                <a:gd name="connsiteX10" fmla="*/ 34885 w 447786"/>
-                <a:gd name="connsiteY10" fmla="*/ 599871 h 599871"/>
-                <a:gd name="connsiteX11" fmla="*/ 38695 w 447786"/>
-                <a:gd name="connsiteY11" fmla="*/ 599871 h 599871"/>
-                <a:gd name="connsiteX12" fmla="*/ 76795 w 447786"/>
-                <a:gd name="connsiteY12" fmla="*/ 565581 h 599871"/>
-                <a:gd name="connsiteX13" fmla="*/ 95845 w 447786"/>
-                <a:gd name="connsiteY13" fmla="*/ 378891 h 599871"/>
-                <a:gd name="connsiteX14" fmla="*/ 95845 w 447786"/>
-                <a:gd name="connsiteY14" fmla="*/ 370319 h 599871"/>
-                <a:gd name="connsiteX15" fmla="*/ 91082 w 447786"/>
-                <a:gd name="connsiteY15" fmla="*/ 328409 h 599871"/>
-                <a:gd name="connsiteX16" fmla="*/ 133945 w 447786"/>
-                <a:gd name="connsiteY16" fmla="*/ 399846 h 599871"/>
-                <a:gd name="connsiteX17" fmla="*/ 124420 w 447786"/>
-                <a:gd name="connsiteY17" fmla="*/ 559866 h 599871"/>
-                <a:gd name="connsiteX18" fmla="*/ 160615 w 447786"/>
-                <a:gd name="connsiteY18" fmla="*/ 599871 h 599871"/>
-                <a:gd name="connsiteX19" fmla="*/ 162520 w 447786"/>
-                <a:gd name="connsiteY19" fmla="*/ 599871 h 599871"/>
-                <a:gd name="connsiteX20" fmla="*/ 200620 w 447786"/>
-                <a:gd name="connsiteY20" fmla="*/ 563676 h 599871"/>
-                <a:gd name="connsiteX21" fmla="*/ 210145 w 447786"/>
-                <a:gd name="connsiteY21" fmla="*/ 392226 h 599871"/>
-                <a:gd name="connsiteX22" fmla="*/ 204430 w 447786"/>
-                <a:gd name="connsiteY22" fmla="*/ 370319 h 599871"/>
-                <a:gd name="connsiteX23" fmla="*/ 118705 w 447786"/>
-                <a:gd name="connsiteY23" fmla="*/ 227444 h 599871"/>
-                <a:gd name="connsiteX24" fmla="*/ 236815 w 447786"/>
-                <a:gd name="connsiteY24" fmla="*/ 125526 h 599871"/>
-                <a:gd name="connsiteX25" fmla="*/ 251102 w 447786"/>
-                <a:gd name="connsiteY25" fmla="*/ 157911 h 599871"/>
-                <a:gd name="connsiteX26" fmla="*/ 270152 w 447786"/>
-                <a:gd name="connsiteY26" fmla="*/ 176961 h 599871"/>
-                <a:gd name="connsiteX27" fmla="*/ 393977 w 447786"/>
-                <a:gd name="connsiteY27" fmla="*/ 234111 h 599871"/>
-                <a:gd name="connsiteX28" fmla="*/ 410170 w 447786"/>
-                <a:gd name="connsiteY28" fmla="*/ 237921 h 599871"/>
-              </a:gdLst>
-              <a:ahLst/>
-              <a:cxnLst>
-                <a:cxn ang="0">
-                  <a:pos x="connsiteX0" y="connsiteY0"/>
-                </a:cxn>
-                <a:cxn ang="0">
-                  <a:pos x="connsiteX1" y="connsiteY1"/>
-                </a:cxn>
-                <a:cxn ang="0">
-                  <a:pos x="connsiteX2" y="connsiteY2"/>
-                </a:cxn>
-                <a:cxn ang="0">
-                  <a:pos x="connsiteX3" y="connsiteY3"/>
-                </a:cxn>
-                <a:cxn ang="0">
-                  <a:pos x="connsiteX4" y="connsiteY4"/>
-                </a:cxn>
-                <a:cxn ang="0">
-                  <a:pos x="connsiteX5" y="connsiteY5"/>
-                </a:cxn>
-                <a:cxn ang="0">
-                  <a:pos x="connsiteX6" y="connsiteY6"/>
-                </a:cxn>
-                <a:cxn ang="0">
-                  <a:pos x="connsiteX7" y="connsiteY7"/>
-                </a:cxn>
-                <a:cxn ang="0">
-                  <a:pos x="connsiteX8" y="connsiteY8"/>
-                </a:cxn>
-                <a:cxn ang="0">
-                  <a:pos x="connsiteX9" y="connsiteY9"/>
-                </a:cxn>
-                <a:cxn ang="0">
-                  <a:pos x="connsiteX10" y="connsiteY10"/>
-                </a:cxn>
-                <a:cxn ang="0">
-                  <a:pos x="connsiteX11" y="connsiteY11"/>
-                </a:cxn>
-                <a:cxn ang="0">
-                  <a:pos x="connsiteX12" y="connsiteY12"/>
-                </a:cxn>
-                <a:cxn ang="0">
-                  <a:pos x="connsiteX13" y="connsiteY13"/>
-                </a:cxn>
-                <a:cxn ang="0">
-                  <a:pos x="connsiteX14" y="connsiteY14"/>
-                </a:cxn>
-                <a:cxn ang="0">
-                  <a:pos x="connsiteX15" y="connsiteY15"/>
-                </a:cxn>
-                <a:cxn ang="0">
-                  <a:pos x="connsiteX16" y="connsiteY16"/>
-                </a:cxn>
-                <a:cxn ang="0">
-                  <a:pos x="connsiteX17" y="connsiteY17"/>
-                </a:cxn>
-                <a:cxn ang="0">
-                  <a:pos x="connsiteX18" y="connsiteY18"/>
-                </a:cxn>
-                <a:cxn ang="0">
-                  <a:pos x="connsiteX19" y="connsiteY19"/>
-                </a:cxn>
-                <a:cxn ang="0">
-                  <a:pos x="connsiteX20" y="connsiteY20"/>
-                </a:cxn>
-                <a:cxn ang="0">
-                  <a:pos x="connsiteX21" y="connsiteY21"/>
-                </a:cxn>
-                <a:cxn ang="0">
-                  <a:pos x="connsiteX22" y="connsiteY22"/>
-                </a:cxn>
-                <a:cxn ang="0">
-                  <a:pos x="connsiteX23" y="connsiteY23"/>
-                </a:cxn>
-                <a:cxn ang="0">
-                  <a:pos x="connsiteX24" y="connsiteY24"/>
-                </a:cxn>
-                <a:cxn ang="0">
-                  <a:pos x="connsiteX25" y="connsiteY25"/>
-                </a:cxn>
-                <a:cxn ang="0">
-                  <a:pos x="connsiteX26" y="connsiteY26"/>
-                </a:cxn>
-                <a:cxn ang="0">
-                  <a:pos x="connsiteX27" y="connsiteY27"/>
-                </a:cxn>
-                <a:cxn ang="0">
-                  <a:pos x="connsiteX28" y="connsiteY28"/>
-                </a:cxn>
-              </a:cxnLst>
-              <a:rect l="l" t="t" r="r" b="b"/>
-              <a:pathLst>
-                <a:path w="447786" h="599871">
-                  <a:moveTo>
-                    <a:pt x="410170" y="237921"/>
-                  </a:moveTo>
-                  <a:cubicBezTo>
-                    <a:pt x="424457" y="237921"/>
-                    <a:pt x="438745" y="229349"/>
-                    <a:pt x="444460" y="216014"/>
-                  </a:cubicBezTo>
-                  <a:cubicBezTo>
-                    <a:pt x="453032" y="196964"/>
-                    <a:pt x="444460" y="174104"/>
-                    <a:pt x="425410" y="165531"/>
-                  </a:cubicBezTo>
-                  <a:lnTo>
-                    <a:pt x="314920" y="114096"/>
-                  </a:lnTo>
-                  <a:lnTo>
-                    <a:pt x="272057" y="19799"/>
-                  </a:lnTo>
-                  <a:cubicBezTo>
-                    <a:pt x="251102" y="-4014"/>
-                    <a:pt x="214907" y="-6871"/>
-                    <a:pt x="191095" y="14084"/>
-                  </a:cubicBezTo>
-                  <a:lnTo>
-                    <a:pt x="19645" y="162674"/>
-                  </a:lnTo>
-                  <a:cubicBezTo>
-                    <a:pt x="5357" y="175056"/>
-                    <a:pt x="-2263" y="190296"/>
-                    <a:pt x="595" y="214109"/>
-                  </a:cubicBezTo>
-                  <a:lnTo>
-                    <a:pt x="19645" y="375081"/>
-                  </a:lnTo>
-                  <a:lnTo>
-                    <a:pt x="595" y="557961"/>
-                  </a:lnTo>
-                  <a:cubicBezTo>
-                    <a:pt x="-1310" y="578916"/>
-                    <a:pt x="13930" y="597966"/>
-                    <a:pt x="34885" y="599871"/>
-                  </a:cubicBezTo>
-                  <a:cubicBezTo>
-                    <a:pt x="35837" y="599871"/>
-                    <a:pt x="37742" y="599871"/>
-                    <a:pt x="38695" y="599871"/>
-                  </a:cubicBezTo>
-                  <a:cubicBezTo>
-                    <a:pt x="57745" y="599871"/>
-                    <a:pt x="74890" y="585584"/>
-                    <a:pt x="76795" y="565581"/>
-                  </a:cubicBezTo>
-                  <a:lnTo>
-                    <a:pt x="95845" y="378891"/>
-                  </a:lnTo>
-                  <a:cubicBezTo>
-                    <a:pt x="95845" y="376034"/>
-                    <a:pt x="95845" y="373176"/>
-                    <a:pt x="95845" y="370319"/>
-                  </a:cubicBezTo>
-                  <a:lnTo>
-                    <a:pt x="91082" y="328409"/>
-                  </a:lnTo>
-                  <a:lnTo>
-                    <a:pt x="133945" y="399846"/>
-                  </a:lnTo>
-                  <a:lnTo>
-                    <a:pt x="124420" y="559866"/>
-                  </a:lnTo>
-                  <a:cubicBezTo>
-                    <a:pt x="123467" y="580821"/>
-                    <a:pt x="139660" y="598919"/>
-                    <a:pt x="160615" y="599871"/>
-                  </a:cubicBezTo>
-                  <a:cubicBezTo>
-                    <a:pt x="161567" y="599871"/>
-                    <a:pt x="162520" y="599871"/>
-                    <a:pt x="162520" y="599871"/>
-                  </a:cubicBezTo>
-                  <a:cubicBezTo>
-                    <a:pt x="182522" y="599871"/>
-                    <a:pt x="199667" y="584631"/>
-                    <a:pt x="200620" y="563676"/>
-                  </a:cubicBezTo>
-                  <a:lnTo>
-                    <a:pt x="210145" y="392226"/>
-                  </a:lnTo>
-                  <a:cubicBezTo>
-                    <a:pt x="210145" y="384606"/>
-                    <a:pt x="208240" y="376986"/>
-                    <a:pt x="204430" y="370319"/>
-                  </a:cubicBezTo>
-                  <a:lnTo>
-                    <a:pt x="118705" y="227444"/>
-                  </a:lnTo>
-                  <a:lnTo>
-                    <a:pt x="236815" y="125526"/>
-                  </a:lnTo>
-                  <a:lnTo>
-                    <a:pt x="251102" y="157911"/>
-                  </a:lnTo>
-                  <a:cubicBezTo>
-                    <a:pt x="254912" y="166484"/>
-                    <a:pt x="261580" y="173151"/>
-                    <a:pt x="270152" y="176961"/>
-                  </a:cubicBezTo>
-                  <a:lnTo>
-                    <a:pt x="393977" y="234111"/>
-                  </a:lnTo>
-                  <a:cubicBezTo>
-                    <a:pt x="399692" y="236969"/>
-                    <a:pt x="404455" y="237921"/>
-                    <a:pt x="410170" y="237921"/>
-                  </a:cubicBezTo>
-                  <a:close/>
-                </a:path>
-              </a:pathLst>
-            </a:custGeom>
-            <a:solidFill>
-              <a:srgbClr val="000000"/>
-            </a:solidFill>
-            <a:ln w="9525" cap="flat">
-              <a:noFill/>
-              <a:prstDash val="solid"/>
-              <a:miter/>
-            </a:ln>
-          </p:spPr>
-          <p:txBody>
-            <a:bodyPr rtlCol="0" anchor="ctr"/>
-            <a:lstStyle/>
-            <a:p>
-              <a:endParaRPr lang="en-US"/>
-            </a:p>
-          </p:txBody>
-        </p:sp>
-      </p:grpSp>
-      <p:pic>
-        <p:nvPicPr>
-          <p:cNvPr id="19" name="Graphic 18" descr="Computer with solid fill">
-            <a:extLst>
-              <a:ext uri="{FF2B5EF4-FFF2-40B4-BE49-F238E27FC236}">
-                <a16:creationId xmlns:a16="http://schemas.microsoft.com/office/drawing/2014/main" id="{B1FCFEC2-72F0-2E4F-667F-C2C41666FF29}"/>
-              </a:ext>
-            </a:extLst>
-          </p:cNvPr>
-          <p:cNvPicPr>
-            <a:picLocks noChangeAspect="1"/>
-          </p:cNvPicPr>
-          <p:nvPr/>
-        </p:nvPicPr>
-        <p:blipFill>
-          <a:blip r:embed="rId5">
-            <a:extLst>
-              <a:ext uri="{96DAC541-7B7A-43D3-8B79-37D633B846F1}">
-                <asvg:svgBlip xmlns:asvg="http://schemas.microsoft.com/office/drawing/2016/SVG/main" r:embed="rId6"/>
-              </a:ext>
-            </a:extLst>
-          </a:blip>
-          <a:stretch>
-            <a:fillRect/>
-          </a:stretch>
-        </p:blipFill>
+        </p:nvSpPr>
         <p:spPr>
           <a:xfrm>
-            <a:off x="3592034" y="4795770"/>
-            <a:ext cx="914400" cy="914400"/>
+            <a:off x="4277731" y="2551822"/>
+            <a:ext cx="957943" cy="957943"/>
           </a:xfrm>
-          <a:prstGeom prst="rect">
+          <a:prstGeom prst="ellipse">
             <a:avLst/>
           </a:prstGeom>
+          <a:noFill/>
         </p:spPr>
-      </p:pic>
-      <p:pic>
-        <p:nvPicPr>
-          <p:cNvPr id="21" name="Graphic 20" descr="Server with solid fill">
-            <a:extLst>
-              <a:ext uri="{FF2B5EF4-FFF2-40B4-BE49-F238E27FC236}">
-                <a16:creationId xmlns:a16="http://schemas.microsoft.com/office/drawing/2014/main" id="{B6BD08A2-B9DE-2D36-29A9-10639B6976D6}"/>
-              </a:ext>
-            </a:extLst>
-          </p:cNvPr>
-          <p:cNvPicPr>
-            <a:picLocks noChangeAspect="1"/>
-          </p:cNvPicPr>
+        <p:style>
+          <a:lnRef idx="2">
+            <a:schemeClr val="accent1">
+              <a:shade val="15000"/>
+            </a:schemeClr>
+          </a:lnRef>
+          <a:fillRef idx="1">
+            <a:schemeClr val="accent1"/>
+          </a:fillRef>
+          <a:effectRef idx="0">
+            <a:schemeClr val="accent1"/>
+          </a:effectRef>
+          <a:fontRef idx="minor">
+            <a:schemeClr val="lt1"/>
+          </a:fontRef>
+        </p:style>
+        <p:txBody>
+          <a:bodyPr rtlCol="0" anchor="ctr"/>
+          <a:lstStyle/>
+          <a:p>
+            <a:pPr algn="ctr"/>
+            <a:r>
+              <a:rPr lang="en-US" b="1" dirty="0">
+                <a:solidFill>
+                  <a:schemeClr val="tx1"/>
+                </a:solidFill>
+              </a:rPr>
+              <a:t>B</a:t>
+            </a:r>
+          </a:p>
+        </p:txBody>
+      </p:sp>
+      <p:sp>
+        <p:nvSpPr>
+          <p:cNvPr id="9" name="Oval 8">
+            <a:extLst>
+              <a:ext uri="{FF2B5EF4-FFF2-40B4-BE49-F238E27FC236}">
+                <a16:creationId xmlns:a16="http://schemas.microsoft.com/office/drawing/2014/main" id="{0DE005C8-4079-5420-B6BC-F2F704F0673D}"/>
+              </a:ext>
+            </a:extLst>
+          </p:cNvPr>
+          <p:cNvSpPr/>
           <p:nvPr/>
-        </p:nvPicPr>
-        <p:blipFill>
-          <a:blip r:embed="rId7">
-            <a:extLst>
-              <a:ext uri="{96DAC541-7B7A-43D3-8B79-37D633B846F1}">
-                <asvg:svgBlip xmlns:asvg="http://schemas.microsoft.com/office/drawing/2016/SVG/main" r:embed="rId8"/>
-              </a:ext>
-            </a:extLst>
-          </a:blip>
-          <a:stretch>
-            <a:fillRect/>
-          </a:stretch>
-        </p:blipFill>
+        </p:nvSpPr>
         <p:spPr>
           <a:xfrm>
-            <a:off x="7620548" y="4882165"/>
-            <a:ext cx="700826" cy="700826"/>
+            <a:off x="5402821" y="5099185"/>
+            <a:ext cx="957943" cy="957943"/>
           </a:xfrm>
-          <a:prstGeom prst="rect">
+          <a:prstGeom prst="ellipse">
             <a:avLst/>
           </a:prstGeom>
+          <a:noFill/>
         </p:spPr>
-      </p:pic>
-      <p:pic>
-        <p:nvPicPr>
-          <p:cNvPr id="22" name="Graphic 21" descr="Box trolley with solid fill">
-            <a:extLst>
-              <a:ext uri="{FF2B5EF4-FFF2-40B4-BE49-F238E27FC236}">
-                <a16:creationId xmlns:a16="http://schemas.microsoft.com/office/drawing/2014/main" id="{A14D1A83-8B1F-868B-CFCE-20E45976C6B2}"/>
-              </a:ext>
-            </a:extLst>
-          </p:cNvPr>
-          <p:cNvPicPr>
-            <a:picLocks noChangeAspect="1"/>
-          </p:cNvPicPr>
+        <p:style>
+          <a:lnRef idx="2">
+            <a:schemeClr val="accent1">
+              <a:shade val="15000"/>
+            </a:schemeClr>
+          </a:lnRef>
+          <a:fillRef idx="1">
+            <a:schemeClr val="accent1"/>
+          </a:fillRef>
+          <a:effectRef idx="0">
+            <a:schemeClr val="accent1"/>
+          </a:effectRef>
+          <a:fontRef idx="minor">
+            <a:schemeClr val="lt1"/>
+          </a:fontRef>
+        </p:style>
+        <p:txBody>
+          <a:bodyPr rtlCol="0" anchor="ctr"/>
+          <a:lstStyle/>
+          <a:p>
+            <a:pPr algn="ctr"/>
+            <a:r>
+              <a:rPr lang="en-US" b="1" dirty="0">
+                <a:solidFill>
+                  <a:schemeClr val="tx1"/>
+                </a:solidFill>
+              </a:rPr>
+              <a:t>D</a:t>
+            </a:r>
+          </a:p>
+        </p:txBody>
+      </p:sp>
+      <p:cxnSp>
+        <p:nvCxnSpPr>
+          <p:cNvPr id="11" name="Straight Arrow Connector 10">
+            <a:extLst>
+              <a:ext uri="{FF2B5EF4-FFF2-40B4-BE49-F238E27FC236}">
+                <a16:creationId xmlns:a16="http://schemas.microsoft.com/office/drawing/2014/main" id="{5D5C32B1-2D60-0B3A-9536-A43E37F103B6}"/>
+              </a:ext>
+            </a:extLst>
+          </p:cNvPr>
+          <p:cNvCxnSpPr>
+            <a:stCxn id="3" idx="6"/>
+            <a:endCxn id="6" idx="2"/>
+          </p:cNvCxnSpPr>
           <p:nvPr/>
-        </p:nvPicPr>
-        <p:blipFill>
-          <a:blip r:embed="rId3">
-            <a:extLst>
-              <a:ext uri="{96DAC541-7B7A-43D3-8B79-37D633B846F1}">
-                <asvg:svgBlip xmlns:asvg="http://schemas.microsoft.com/office/drawing/2016/SVG/main" r:embed="rId4"/>
-              </a:ext>
-            </a:extLst>
-          </a:blip>
-          <a:stretch>
-            <a:fillRect/>
-          </a:stretch>
-        </p:blipFill>
+        </p:nvCxnSpPr>
         <p:spPr>
-          <a:xfrm flipH="1">
-            <a:off x="5424487" y="5762914"/>
-            <a:ext cx="674355" cy="760616"/>
+          <a:xfrm>
+            <a:off x="2503205" y="3030794"/>
+            <a:ext cx="1774526" cy="0"/>
           </a:xfrm>
-          <a:prstGeom prst="rect">
+          <a:prstGeom prst="straightConnector1">
             <a:avLst/>
           </a:prstGeom>
+          <a:ln>
+            <a:tailEnd type="triangle"/>
+          </a:ln>
         </p:spPr>
-      </p:pic>
-      <p:grpSp>
-        <p:nvGrpSpPr>
-          <p:cNvPr id="23" name="Graphic 6" descr="Man changing baby with solid fill">
-            <a:extLst>
-              <a:ext uri="{FF2B5EF4-FFF2-40B4-BE49-F238E27FC236}">
-                <a16:creationId xmlns:a16="http://schemas.microsoft.com/office/drawing/2014/main" id="{18056555-7CC6-B55B-4903-FD600ECBA58D}"/>
-              </a:ext>
-            </a:extLst>
-          </p:cNvPr>
-          <p:cNvGrpSpPr/>
+        <p:style>
+          <a:lnRef idx="1">
+            <a:schemeClr val="accent1"/>
+          </a:lnRef>
+          <a:fillRef idx="0">
+            <a:schemeClr val="accent1"/>
+          </a:fillRef>
+          <a:effectRef idx="0">
+            <a:schemeClr val="accent1"/>
+          </a:effectRef>
+          <a:fontRef idx="minor">
+            <a:schemeClr val="tx1"/>
+          </a:fontRef>
+        </p:style>
+      </p:cxnSp>
+      <p:cxnSp>
+        <p:nvCxnSpPr>
+          <p:cNvPr id="13" name="Straight Arrow Connector 12">
+            <a:extLst>
+              <a:ext uri="{FF2B5EF4-FFF2-40B4-BE49-F238E27FC236}">
+                <a16:creationId xmlns:a16="http://schemas.microsoft.com/office/drawing/2014/main" id="{7A8A4B58-ECF5-C584-1686-5980907A97F6}"/>
+              </a:ext>
+            </a:extLst>
+          </p:cNvPr>
+          <p:cNvCxnSpPr>
+            <a:stCxn id="6" idx="6"/>
+            <a:endCxn id="4" idx="2"/>
+          </p:cNvCxnSpPr>
           <p:nvPr/>
-        </p:nvGrpSpPr>
-        <p:grpSpPr>
-          <a:xfrm flipH="1">
-            <a:off x="6007643" y="5582991"/>
-            <a:ext cx="363371" cy="914400"/>
-            <a:chOff x="2532279" y="4932362"/>
-            <a:chExt cx="448270" cy="676275"/>
+        </p:nvCxnSpPr>
+        <p:spPr>
+          <a:xfrm>
+            <a:off x="5235674" y="3030794"/>
+            <a:ext cx="2591109" cy="0"/>
           </a:xfrm>
-          <a:solidFill>
-            <a:srgbClr val="000000"/>
-          </a:solidFill>
-        </p:grpSpPr>
-        <p:sp>
-          <p:nvSpPr>
-            <p:cNvPr id="24" name="Freeform 23">
-              <a:extLst>
-                <a:ext uri="{FF2B5EF4-FFF2-40B4-BE49-F238E27FC236}">
-                  <a16:creationId xmlns:a16="http://schemas.microsoft.com/office/drawing/2014/main" id="{E16BD2B0-0906-2F8D-4399-B59C14AD512F}"/>
-                </a:ext>
-              </a:extLst>
-            </p:cNvPr>
-            <p:cNvSpPr/>
-            <p:nvPr/>
-          </p:nvSpPr>
-          <p:spPr>
-            <a:xfrm>
-              <a:off x="2828149" y="4932362"/>
-              <a:ext cx="152400" cy="152400"/>
-            </a:xfrm>
-            <a:custGeom>
-              <a:avLst/>
-              <a:gdLst>
-                <a:gd name="connsiteX0" fmla="*/ 152400 w 152400"/>
-                <a:gd name="connsiteY0" fmla="*/ 76200 h 152400"/>
-                <a:gd name="connsiteX1" fmla="*/ 76200 w 152400"/>
-                <a:gd name="connsiteY1" fmla="*/ 152400 h 152400"/>
-                <a:gd name="connsiteX2" fmla="*/ 0 w 152400"/>
-                <a:gd name="connsiteY2" fmla="*/ 76200 h 152400"/>
-                <a:gd name="connsiteX3" fmla="*/ 76200 w 152400"/>
-                <a:gd name="connsiteY3" fmla="*/ 0 h 152400"/>
-                <a:gd name="connsiteX4" fmla="*/ 152400 w 152400"/>
-                <a:gd name="connsiteY4" fmla="*/ 76200 h 152400"/>
-              </a:gdLst>
-              <a:ahLst/>
-              <a:cxnLst>
-                <a:cxn ang="0">
-                  <a:pos x="connsiteX0" y="connsiteY0"/>
-                </a:cxn>
-                <a:cxn ang="0">
-                  <a:pos x="connsiteX1" y="connsiteY1"/>
-                </a:cxn>
-                <a:cxn ang="0">
-                  <a:pos x="connsiteX2" y="connsiteY2"/>
-                </a:cxn>
-                <a:cxn ang="0">
-                  <a:pos x="connsiteX3" y="connsiteY3"/>
-                </a:cxn>
-                <a:cxn ang="0">
-                  <a:pos x="connsiteX4" y="connsiteY4"/>
-                </a:cxn>
-              </a:cxnLst>
-              <a:rect l="l" t="t" r="r" b="b"/>
-              <a:pathLst>
-                <a:path w="152400" h="152400">
-                  <a:moveTo>
-                    <a:pt x="152400" y="76200"/>
-                  </a:moveTo>
-                  <a:cubicBezTo>
-                    <a:pt x="152400" y="118284"/>
-                    <a:pt x="118284" y="152400"/>
-                    <a:pt x="76200" y="152400"/>
-                  </a:cubicBezTo>
-                  <a:cubicBezTo>
-                    <a:pt x="34116" y="152400"/>
-                    <a:pt x="0" y="118284"/>
-                    <a:pt x="0" y="76200"/>
-                  </a:cubicBezTo>
-                  <a:cubicBezTo>
-                    <a:pt x="0" y="34116"/>
-                    <a:pt x="34116" y="0"/>
-                    <a:pt x="76200" y="0"/>
-                  </a:cubicBezTo>
-                  <a:cubicBezTo>
-                    <a:pt x="118284" y="0"/>
-                    <a:pt x="152400" y="34116"/>
-                    <a:pt x="152400" y="76200"/>
-                  </a:cubicBezTo>
-                  <a:close/>
-                </a:path>
-              </a:pathLst>
-            </a:custGeom>
-            <a:solidFill>
-              <a:srgbClr val="000000"/>
-            </a:solidFill>
-            <a:ln w="9525" cap="flat">
-              <a:noFill/>
-              <a:prstDash val="solid"/>
-              <a:miter/>
-            </a:ln>
-          </p:spPr>
-          <p:txBody>
-            <a:bodyPr rtlCol="0" anchor="ctr"/>
-            <a:lstStyle/>
-            <a:p>
-              <a:endParaRPr lang="en-US"/>
-            </a:p>
-          </p:txBody>
-        </p:sp>
-        <p:sp>
-          <p:nvSpPr>
-            <p:cNvPr id="25" name="Freeform 24">
-              <a:extLst>
-                <a:ext uri="{FF2B5EF4-FFF2-40B4-BE49-F238E27FC236}">
-                  <a16:creationId xmlns:a16="http://schemas.microsoft.com/office/drawing/2014/main" id="{870811CD-BD2D-CCBC-79F9-09BEAC54D5C7}"/>
-                </a:ext>
-              </a:extLst>
-            </p:cNvPr>
-            <p:cNvSpPr/>
-            <p:nvPr/>
-          </p:nvSpPr>
-          <p:spPr>
-            <a:xfrm>
-              <a:off x="2532279" y="5008766"/>
-              <a:ext cx="447786" cy="599871"/>
-            </a:xfrm>
-            <a:custGeom>
-              <a:avLst/>
-              <a:gdLst>
-                <a:gd name="connsiteX0" fmla="*/ 410170 w 447786"/>
-                <a:gd name="connsiteY0" fmla="*/ 237921 h 599871"/>
-                <a:gd name="connsiteX1" fmla="*/ 444460 w 447786"/>
-                <a:gd name="connsiteY1" fmla="*/ 216014 h 599871"/>
-                <a:gd name="connsiteX2" fmla="*/ 425410 w 447786"/>
-                <a:gd name="connsiteY2" fmla="*/ 165531 h 599871"/>
-                <a:gd name="connsiteX3" fmla="*/ 314920 w 447786"/>
-                <a:gd name="connsiteY3" fmla="*/ 114096 h 599871"/>
-                <a:gd name="connsiteX4" fmla="*/ 272057 w 447786"/>
-                <a:gd name="connsiteY4" fmla="*/ 19799 h 599871"/>
-                <a:gd name="connsiteX5" fmla="*/ 191095 w 447786"/>
-                <a:gd name="connsiteY5" fmla="*/ 14084 h 599871"/>
-                <a:gd name="connsiteX6" fmla="*/ 19645 w 447786"/>
-                <a:gd name="connsiteY6" fmla="*/ 162674 h 599871"/>
-                <a:gd name="connsiteX7" fmla="*/ 595 w 447786"/>
-                <a:gd name="connsiteY7" fmla="*/ 214109 h 599871"/>
-                <a:gd name="connsiteX8" fmla="*/ 19645 w 447786"/>
-                <a:gd name="connsiteY8" fmla="*/ 375081 h 599871"/>
-                <a:gd name="connsiteX9" fmla="*/ 595 w 447786"/>
-                <a:gd name="connsiteY9" fmla="*/ 557961 h 599871"/>
-                <a:gd name="connsiteX10" fmla="*/ 34885 w 447786"/>
-                <a:gd name="connsiteY10" fmla="*/ 599871 h 599871"/>
-                <a:gd name="connsiteX11" fmla="*/ 38695 w 447786"/>
-                <a:gd name="connsiteY11" fmla="*/ 599871 h 599871"/>
-                <a:gd name="connsiteX12" fmla="*/ 76795 w 447786"/>
-                <a:gd name="connsiteY12" fmla="*/ 565581 h 599871"/>
-                <a:gd name="connsiteX13" fmla="*/ 95845 w 447786"/>
-                <a:gd name="connsiteY13" fmla="*/ 378891 h 599871"/>
-                <a:gd name="connsiteX14" fmla="*/ 95845 w 447786"/>
-                <a:gd name="connsiteY14" fmla="*/ 370319 h 599871"/>
-                <a:gd name="connsiteX15" fmla="*/ 91082 w 447786"/>
-                <a:gd name="connsiteY15" fmla="*/ 328409 h 599871"/>
-                <a:gd name="connsiteX16" fmla="*/ 133945 w 447786"/>
-                <a:gd name="connsiteY16" fmla="*/ 399846 h 599871"/>
-                <a:gd name="connsiteX17" fmla="*/ 124420 w 447786"/>
-                <a:gd name="connsiteY17" fmla="*/ 559866 h 599871"/>
-                <a:gd name="connsiteX18" fmla="*/ 160615 w 447786"/>
-                <a:gd name="connsiteY18" fmla="*/ 599871 h 599871"/>
-                <a:gd name="connsiteX19" fmla="*/ 162520 w 447786"/>
-                <a:gd name="connsiteY19" fmla="*/ 599871 h 599871"/>
-                <a:gd name="connsiteX20" fmla="*/ 200620 w 447786"/>
-                <a:gd name="connsiteY20" fmla="*/ 563676 h 599871"/>
-                <a:gd name="connsiteX21" fmla="*/ 210145 w 447786"/>
-                <a:gd name="connsiteY21" fmla="*/ 392226 h 599871"/>
-                <a:gd name="connsiteX22" fmla="*/ 204430 w 447786"/>
-                <a:gd name="connsiteY22" fmla="*/ 370319 h 599871"/>
-                <a:gd name="connsiteX23" fmla="*/ 118705 w 447786"/>
-                <a:gd name="connsiteY23" fmla="*/ 227444 h 599871"/>
-                <a:gd name="connsiteX24" fmla="*/ 236815 w 447786"/>
-                <a:gd name="connsiteY24" fmla="*/ 125526 h 599871"/>
-                <a:gd name="connsiteX25" fmla="*/ 251102 w 447786"/>
-                <a:gd name="connsiteY25" fmla="*/ 157911 h 599871"/>
-                <a:gd name="connsiteX26" fmla="*/ 270152 w 447786"/>
-                <a:gd name="connsiteY26" fmla="*/ 176961 h 599871"/>
-                <a:gd name="connsiteX27" fmla="*/ 393977 w 447786"/>
-                <a:gd name="connsiteY27" fmla="*/ 234111 h 599871"/>
-                <a:gd name="connsiteX28" fmla="*/ 410170 w 447786"/>
-                <a:gd name="connsiteY28" fmla="*/ 237921 h 599871"/>
-              </a:gdLst>
-              <a:ahLst/>
-              <a:cxnLst>
-                <a:cxn ang="0">
-                  <a:pos x="connsiteX0" y="connsiteY0"/>
-                </a:cxn>
-                <a:cxn ang="0">
-                  <a:pos x="connsiteX1" y="connsiteY1"/>
-                </a:cxn>
-                <a:cxn ang="0">
-                  <a:pos x="connsiteX2" y="connsiteY2"/>
-                </a:cxn>
-                <a:cxn ang="0">
-                  <a:pos x="connsiteX3" y="connsiteY3"/>
-                </a:cxn>
-                <a:cxn ang="0">
-                  <a:pos x="connsiteX4" y="connsiteY4"/>
-                </a:cxn>
-                <a:cxn ang="0">
-                  <a:pos x="connsiteX5" y="connsiteY5"/>
-                </a:cxn>
-                <a:cxn ang="0">
-                  <a:pos x="connsiteX6" y="connsiteY6"/>
-                </a:cxn>
-                <a:cxn ang="0">
-                  <a:pos x="connsiteX7" y="connsiteY7"/>
-                </a:cxn>
-                <a:cxn ang="0">
-                  <a:pos x="connsiteX8" y="connsiteY8"/>
-                </a:cxn>
-                <a:cxn ang="0">
-                  <a:pos x="connsiteX9" y="connsiteY9"/>
-                </a:cxn>
-                <a:cxn ang="0">
-                  <a:pos x="connsiteX10" y="connsiteY10"/>
-                </a:cxn>
-                <a:cxn ang="0">
-                  <a:pos x="connsiteX11" y="connsiteY11"/>
-                </a:cxn>
-                <a:cxn ang="0">
-                  <a:pos x="connsiteX12" y="connsiteY12"/>
-                </a:cxn>
-                <a:cxn ang="0">
-                  <a:pos x="connsiteX13" y="connsiteY13"/>
-                </a:cxn>
-                <a:cxn ang="0">
-                  <a:pos x="connsiteX14" y="connsiteY14"/>
-                </a:cxn>
-                <a:cxn ang="0">
-                  <a:pos x="connsiteX15" y="connsiteY15"/>
-                </a:cxn>
-                <a:cxn ang="0">
-                  <a:pos x="connsiteX16" y="connsiteY16"/>
-                </a:cxn>
-                <a:cxn ang="0">
-                  <a:pos x="connsiteX17" y="connsiteY17"/>
-                </a:cxn>
-                <a:cxn ang="0">
-                  <a:pos x="connsiteX18" y="connsiteY18"/>
-                </a:cxn>
-                <a:cxn ang="0">
-                  <a:pos x="connsiteX19" y="connsiteY19"/>
-                </a:cxn>
-                <a:cxn ang="0">
-                  <a:pos x="connsiteX20" y="connsiteY20"/>
-                </a:cxn>
-                <a:cxn ang="0">
-                  <a:pos x="connsiteX21" y="connsiteY21"/>
-                </a:cxn>
-                <a:cxn ang="0">
-                  <a:pos x="connsiteX22" y="connsiteY22"/>
-                </a:cxn>
-                <a:cxn ang="0">
-                  <a:pos x="connsiteX23" y="connsiteY23"/>
-                </a:cxn>
-                <a:cxn ang="0">
-                  <a:pos x="connsiteX24" y="connsiteY24"/>
-                </a:cxn>
-                <a:cxn ang="0">
-                  <a:pos x="connsiteX25" y="connsiteY25"/>
-                </a:cxn>
-                <a:cxn ang="0">
-                  <a:pos x="connsiteX26" y="connsiteY26"/>
-                </a:cxn>
-                <a:cxn ang="0">
-                  <a:pos x="connsiteX27" y="connsiteY27"/>
-                </a:cxn>
-                <a:cxn ang="0">
-                  <a:pos x="connsiteX28" y="connsiteY28"/>
-                </a:cxn>
-              </a:cxnLst>
-              <a:rect l="l" t="t" r="r" b="b"/>
-              <a:pathLst>
-                <a:path w="447786" h="599871">
-                  <a:moveTo>
-                    <a:pt x="410170" y="237921"/>
-                  </a:moveTo>
-                  <a:cubicBezTo>
-                    <a:pt x="424457" y="237921"/>
-                    <a:pt x="438745" y="229349"/>
-                    <a:pt x="444460" y="216014"/>
-                  </a:cubicBezTo>
-                  <a:cubicBezTo>
-                    <a:pt x="453032" y="196964"/>
-                    <a:pt x="444460" y="174104"/>
-                    <a:pt x="425410" y="165531"/>
-                  </a:cubicBezTo>
-                  <a:lnTo>
-                    <a:pt x="314920" y="114096"/>
-                  </a:lnTo>
-                  <a:lnTo>
-                    <a:pt x="272057" y="19799"/>
-                  </a:lnTo>
-                  <a:cubicBezTo>
-                    <a:pt x="251102" y="-4014"/>
-                    <a:pt x="214907" y="-6871"/>
-                    <a:pt x="191095" y="14084"/>
-                  </a:cubicBezTo>
-                  <a:lnTo>
-                    <a:pt x="19645" y="162674"/>
-                  </a:lnTo>
-                  <a:cubicBezTo>
-                    <a:pt x="5357" y="175056"/>
-                    <a:pt x="-2263" y="190296"/>
-                    <a:pt x="595" y="214109"/>
-                  </a:cubicBezTo>
-                  <a:lnTo>
-                    <a:pt x="19645" y="375081"/>
-                  </a:lnTo>
-                  <a:lnTo>
-                    <a:pt x="595" y="557961"/>
-                  </a:lnTo>
-                  <a:cubicBezTo>
-                    <a:pt x="-1310" y="578916"/>
-                    <a:pt x="13930" y="597966"/>
-                    <a:pt x="34885" y="599871"/>
-                  </a:cubicBezTo>
-                  <a:cubicBezTo>
-                    <a:pt x="35837" y="599871"/>
-                    <a:pt x="37742" y="599871"/>
-                    <a:pt x="38695" y="599871"/>
-                  </a:cubicBezTo>
-                  <a:cubicBezTo>
-                    <a:pt x="57745" y="599871"/>
-                    <a:pt x="74890" y="585584"/>
-                    <a:pt x="76795" y="565581"/>
-                  </a:cubicBezTo>
-                  <a:lnTo>
-                    <a:pt x="95845" y="378891"/>
-                  </a:lnTo>
-                  <a:cubicBezTo>
-                    <a:pt x="95845" y="376034"/>
-                    <a:pt x="95845" y="373176"/>
-                    <a:pt x="95845" y="370319"/>
-                  </a:cubicBezTo>
-                  <a:lnTo>
-                    <a:pt x="91082" y="328409"/>
-                  </a:lnTo>
-                  <a:lnTo>
-                    <a:pt x="133945" y="399846"/>
-                  </a:lnTo>
-                  <a:lnTo>
-                    <a:pt x="124420" y="559866"/>
-                  </a:lnTo>
-                  <a:cubicBezTo>
-                    <a:pt x="123467" y="580821"/>
-                    <a:pt x="139660" y="598919"/>
-                    <a:pt x="160615" y="599871"/>
-                  </a:cubicBezTo>
-                  <a:cubicBezTo>
-                    <a:pt x="161567" y="599871"/>
-                    <a:pt x="162520" y="599871"/>
-                    <a:pt x="162520" y="599871"/>
-                  </a:cubicBezTo>
-                  <a:cubicBezTo>
-                    <a:pt x="182522" y="599871"/>
-                    <a:pt x="199667" y="584631"/>
-                    <a:pt x="200620" y="563676"/>
-                  </a:cubicBezTo>
-                  <a:lnTo>
-                    <a:pt x="210145" y="392226"/>
-                  </a:lnTo>
-                  <a:cubicBezTo>
-                    <a:pt x="210145" y="384606"/>
-                    <a:pt x="208240" y="376986"/>
-                    <a:pt x="204430" y="370319"/>
-                  </a:cubicBezTo>
-                  <a:lnTo>
-                    <a:pt x="118705" y="227444"/>
-                  </a:lnTo>
-                  <a:lnTo>
-                    <a:pt x="236815" y="125526"/>
-                  </a:lnTo>
-                  <a:lnTo>
-                    <a:pt x="251102" y="157911"/>
-                  </a:lnTo>
-                  <a:cubicBezTo>
-                    <a:pt x="254912" y="166484"/>
-                    <a:pt x="261580" y="173151"/>
-                    <a:pt x="270152" y="176961"/>
-                  </a:cubicBezTo>
-                  <a:lnTo>
-                    <a:pt x="393977" y="234111"/>
-                  </a:lnTo>
-                  <a:cubicBezTo>
-                    <a:pt x="399692" y="236969"/>
-                    <a:pt x="404455" y="237921"/>
-                    <a:pt x="410170" y="237921"/>
-                  </a:cubicBezTo>
-                  <a:close/>
-                </a:path>
-              </a:pathLst>
-            </a:custGeom>
-            <a:solidFill>
-              <a:srgbClr val="000000"/>
-            </a:solidFill>
-            <a:ln w="9525" cap="flat">
-              <a:noFill/>
-              <a:prstDash val="solid"/>
-              <a:miter/>
-            </a:ln>
-          </p:spPr>
-          <p:txBody>
-            <a:bodyPr rtlCol="0" anchor="ctr"/>
-            <a:lstStyle/>
-            <a:p>
-              <a:endParaRPr lang="en-US"/>
-            </a:p>
-          </p:txBody>
-        </p:sp>
-      </p:grpSp>
-      <p:pic>
-        <p:nvPicPr>
-          <p:cNvPr id="26" name="Graphic 25" descr="Arrow Right with solid fill">
-            <a:extLst>
-              <a:ext uri="{FF2B5EF4-FFF2-40B4-BE49-F238E27FC236}">
-                <a16:creationId xmlns:a16="http://schemas.microsoft.com/office/drawing/2014/main" id="{64D75DCC-7D78-6A73-A14F-D9A580D937A5}"/>
-              </a:ext>
-            </a:extLst>
-          </p:cNvPr>
-          <p:cNvPicPr>
-            <a:picLocks noChangeAspect="1"/>
-          </p:cNvPicPr>
-          <p:nvPr/>
-        </p:nvPicPr>
-        <p:blipFill>
-          <a:blip r:embed="rId9">
-            <a:extLst>
-              <a:ext uri="{96DAC541-7B7A-43D3-8B79-37D633B846F1}">
-                <asvg:svgBlip xmlns:asvg="http://schemas.microsoft.com/office/drawing/2016/SVG/main" r:embed="rId10"/>
-              </a:ext>
-            </a:extLst>
-          </a:blip>
-          <a:stretch>
-            <a:fillRect/>
-          </a:stretch>
-        </p:blipFill>
-        <p:spPr>
-          <a:xfrm rot="10800000">
-            <a:off x="4869816" y="5077618"/>
-            <a:ext cx="2260236" cy="659688"/>
-          </a:xfrm>
-          <a:prstGeom prst="rect">
+          <a:prstGeom prst="straightConnector1">
             <a:avLst/>
           </a:prstGeom>
+          <a:ln>
+            <a:tailEnd type="triangle"/>
+          </a:ln>
         </p:spPr>
-      </p:pic>
-      <p:pic>
-        <p:nvPicPr>
-          <p:cNvPr id="27" name="Graphic 26" descr="Arrow Right with solid fill">
-            <a:extLst>
-              <a:ext uri="{FF2B5EF4-FFF2-40B4-BE49-F238E27FC236}">
-                <a16:creationId xmlns:a16="http://schemas.microsoft.com/office/drawing/2014/main" id="{22E5DA0E-67B0-2A92-BFD5-639C0DA92B2A}"/>
-              </a:ext>
-            </a:extLst>
-          </p:cNvPr>
-          <p:cNvPicPr>
-            <a:picLocks noChangeAspect="1"/>
-          </p:cNvPicPr>
+        <p:style>
+          <a:lnRef idx="1">
+            <a:schemeClr val="accent1"/>
+          </a:lnRef>
+          <a:fillRef idx="0">
+            <a:schemeClr val="accent1"/>
+          </a:fillRef>
+          <a:effectRef idx="0">
+            <a:schemeClr val="accent1"/>
+          </a:effectRef>
+          <a:fontRef idx="minor">
+            <a:schemeClr val="tx1"/>
+          </a:fontRef>
+        </p:style>
+      </p:cxnSp>
+      <p:cxnSp>
+        <p:nvCxnSpPr>
+          <p:cNvPr id="15" name="Curved Connector 14">
+            <a:extLst>
+              <a:ext uri="{FF2B5EF4-FFF2-40B4-BE49-F238E27FC236}">
+                <a16:creationId xmlns:a16="http://schemas.microsoft.com/office/drawing/2014/main" id="{57145D26-BAB6-CE98-1297-E9AECA31009C}"/>
+              </a:ext>
+            </a:extLst>
+          </p:cNvPr>
+          <p:cNvCxnSpPr>
+            <a:stCxn id="6" idx="4"/>
+            <a:endCxn id="9" idx="2"/>
+          </p:cNvCxnSpPr>
           <p:nvPr/>
-        </p:nvPicPr>
-        <p:blipFill>
-          <a:blip r:embed="rId9">
-            <a:extLst>
-              <a:ext uri="{96DAC541-7B7A-43D3-8B79-37D633B846F1}">
-                <asvg:svgBlip xmlns:asvg="http://schemas.microsoft.com/office/drawing/2016/SVG/main" r:embed="rId10"/>
-              </a:ext>
-            </a:extLst>
-          </a:blip>
-          <a:stretch>
-            <a:fillRect/>
-          </a:stretch>
-        </p:blipFill>
+        </p:nvCxnSpPr>
+        <p:spPr>
+          <a:xfrm rot="16200000" flipH="1">
+            <a:off x="4045566" y="4220902"/>
+            <a:ext cx="2068392" cy="646118"/>
+          </a:xfrm>
+          <a:prstGeom prst="curvedConnector2">
+            <a:avLst/>
+          </a:prstGeom>
+          <a:ln>
+            <a:solidFill>
+              <a:srgbClr val="7030A0"/>
+            </a:solidFill>
+            <a:tailEnd type="triangle"/>
+          </a:ln>
+        </p:spPr>
+        <p:style>
+          <a:lnRef idx="1">
+            <a:schemeClr val="accent1"/>
+          </a:lnRef>
+          <a:fillRef idx="0">
+            <a:schemeClr val="accent1"/>
+          </a:fillRef>
+          <a:effectRef idx="0">
+            <a:schemeClr val="accent1"/>
+          </a:effectRef>
+          <a:fontRef idx="minor">
+            <a:schemeClr val="tx1"/>
+          </a:fontRef>
+        </p:style>
+      </p:cxnSp>
+      <p:sp>
+        <p:nvSpPr>
+          <p:cNvPr id="18" name="TextBox 17">
+            <a:extLst>
+              <a:ext uri="{FF2B5EF4-FFF2-40B4-BE49-F238E27FC236}">
+                <a16:creationId xmlns:a16="http://schemas.microsoft.com/office/drawing/2014/main" id="{06E80F51-AE57-C39C-2D39-8377C44232E6}"/>
+              </a:ext>
+            </a:extLst>
+          </p:cNvPr>
+          <p:cNvSpPr txBox="1"/>
+          <p:nvPr/>
+        </p:nvSpPr>
         <p:spPr>
           <a:xfrm>
-            <a:off x="4860036" y="4822871"/>
-            <a:ext cx="2397131" cy="659688"/>
-          </a:xfrm>
-          <a:prstGeom prst="rect">
-            <a:avLst/>
-          </a:prstGeom>
-        </p:spPr>
-      </p:pic>
-      <p:sp>
-        <p:nvSpPr>
-          <p:cNvPr id="3" name="TextBox 2">
-            <a:extLst>
-              <a:ext uri="{FF2B5EF4-FFF2-40B4-BE49-F238E27FC236}">
-                <a16:creationId xmlns:a16="http://schemas.microsoft.com/office/drawing/2014/main" id="{5E0524B7-CAC7-92BE-9DA3-F11AF430D335}"/>
-              </a:ext>
-            </a:extLst>
-          </p:cNvPr>
-          <p:cNvSpPr txBox="1"/>
-          <p:nvPr/>
-        </p:nvSpPr>
-        <p:spPr>
-          <a:xfrm>
-            <a:off x="5012308" y="4502290"/>
-            <a:ext cx="537327" cy="307777"/>
+            <a:off x="3855822" y="2153265"/>
+            <a:ext cx="1551835" cy="369332"/>
           </a:xfrm>
           <a:prstGeom prst="rect">
             <a:avLst/>
@@ -14581,18 +13700,18 @@
           <a:lstStyle/>
           <a:p>
             <a:r>
-              <a:rPr lang="en-US" sz="1400" dirty="0"/>
-              <a:t>Push</a:t>
-            </a:r>
-          </a:p>
-        </p:txBody>
-      </p:sp>
-      <p:sp>
-        <p:nvSpPr>
-          <p:cNvPr id="6" name="TextBox 5">
-            <a:extLst>
-              <a:ext uri="{FF2B5EF4-FFF2-40B4-BE49-F238E27FC236}">
-                <a16:creationId xmlns:a16="http://schemas.microsoft.com/office/drawing/2014/main" id="{850E8C61-EEF1-FD66-D0A7-251B9B11E245}"/>
+              <a:rPr lang="en-US" dirty="0"/>
+              <a:t>Master branch</a:t>
+            </a:r>
+          </a:p>
+        </p:txBody>
+      </p:sp>
+      <p:sp>
+        <p:nvSpPr>
+          <p:cNvPr id="19" name="TextBox 18">
+            <a:extLst>
+              <a:ext uri="{FF2B5EF4-FFF2-40B4-BE49-F238E27FC236}">
+                <a16:creationId xmlns:a16="http://schemas.microsoft.com/office/drawing/2014/main" id="{788CB7F9-DBF9-6176-D774-F41E6A9E0F30}"/>
               </a:ext>
             </a:extLst>
           </p:cNvPr>
@@ -14601,8 +13720,8 @@
         </p:nvSpPr>
         <p:spPr>
           <a:xfrm>
-            <a:off x="6505352" y="5823535"/>
-            <a:ext cx="455574" cy="307777"/>
+            <a:off x="3173192" y="5248858"/>
+            <a:ext cx="1583510" cy="646331"/>
           </a:xfrm>
           <a:prstGeom prst="rect">
             <a:avLst/>
@@ -14615,17 +13734,776 @@
           </a:bodyPr>
           <a:lstStyle/>
           <a:p>
-            <a:r>
-              <a:rPr lang="en-US" sz="1400" dirty="0"/>
-              <a:t>Pull</a:t>
-            </a:r>
+            <a:pPr algn="ctr"/>
+            <a:r>
+              <a:rPr lang="en-US" dirty="0" err="1"/>
+              <a:t>firstbranch</a:t>
+            </a:r>
+            <a:endParaRPr lang="en-US" dirty="0"/>
+          </a:p>
+          <a:p>
+            <a:pPr algn="ctr"/>
+            <a:r>
+              <a:rPr lang="en-US" dirty="0"/>
+              <a:t>(active branch)</a:t>
+            </a:r>
+          </a:p>
+        </p:txBody>
+      </p:sp>
+      <p:sp>
+        <p:nvSpPr>
+          <p:cNvPr id="21" name="TextBox 20">
+            <a:extLst>
+              <a:ext uri="{FF2B5EF4-FFF2-40B4-BE49-F238E27FC236}">
+                <a16:creationId xmlns:a16="http://schemas.microsoft.com/office/drawing/2014/main" id="{FBBAB657-5F3A-05EB-7E7F-DE35E6343C35}"/>
+              </a:ext>
+            </a:extLst>
+          </p:cNvPr>
+          <p:cNvSpPr txBox="1"/>
+          <p:nvPr/>
+        </p:nvSpPr>
+        <p:spPr>
+          <a:xfrm>
+            <a:off x="4947882" y="6119327"/>
+            <a:ext cx="1867819" cy="369332"/>
+          </a:xfrm>
+          <a:prstGeom prst="rect">
+            <a:avLst/>
+          </a:prstGeom>
+          <a:noFill/>
+        </p:spPr>
+        <p:txBody>
+          <a:bodyPr wrap="none" rtlCol="0">
+            <a:spAutoFit/>
+          </a:bodyPr>
+          <a:lstStyle/>
+          <a:p>
+            <a:r>
+              <a:rPr lang="en-US" dirty="0"/>
+              <a:t>Commit: 2740d79</a:t>
+            </a:r>
+          </a:p>
+        </p:txBody>
+      </p:sp>
+      <p:cxnSp>
+        <p:nvCxnSpPr>
+          <p:cNvPr id="23" name="Curved Connector 22">
+            <a:extLst>
+              <a:ext uri="{FF2B5EF4-FFF2-40B4-BE49-F238E27FC236}">
+                <a16:creationId xmlns:a16="http://schemas.microsoft.com/office/drawing/2014/main" id="{74335D56-6759-FB59-1341-CD9D0691817F}"/>
+              </a:ext>
+            </a:extLst>
+          </p:cNvPr>
+          <p:cNvCxnSpPr>
+            <a:cxnSpLocks/>
+            <a:stCxn id="9" idx="6"/>
+            <a:endCxn id="4" idx="2"/>
+          </p:cNvCxnSpPr>
+          <p:nvPr/>
+        </p:nvCxnSpPr>
+        <p:spPr>
+          <a:xfrm flipV="1">
+            <a:off x="6360764" y="3030794"/>
+            <a:ext cx="1466019" cy="2547363"/>
+          </a:xfrm>
+          <a:prstGeom prst="curvedConnector3">
+            <a:avLst>
+              <a:gd name="adj1" fmla="val 50000"/>
+            </a:avLst>
+          </a:prstGeom>
+          <a:ln>
+            <a:solidFill>
+              <a:srgbClr val="7030A0"/>
+            </a:solidFill>
+            <a:tailEnd type="triangle"/>
+          </a:ln>
+        </p:spPr>
+        <p:style>
+          <a:lnRef idx="1">
+            <a:schemeClr val="accent1"/>
+          </a:lnRef>
+          <a:fillRef idx="0">
+            <a:schemeClr val="accent1"/>
+          </a:fillRef>
+          <a:effectRef idx="0">
+            <a:schemeClr val="accent1"/>
+          </a:effectRef>
+          <a:fontRef idx="minor">
+            <a:schemeClr val="tx1"/>
+          </a:fontRef>
+        </p:style>
+      </p:cxnSp>
+      <p:sp>
+        <p:nvSpPr>
+          <p:cNvPr id="26" name="TextBox 25">
+            <a:extLst>
+              <a:ext uri="{FF2B5EF4-FFF2-40B4-BE49-F238E27FC236}">
+                <a16:creationId xmlns:a16="http://schemas.microsoft.com/office/drawing/2014/main" id="{2428D454-E699-0ED5-550C-DD474893DD07}"/>
+              </a:ext>
+            </a:extLst>
+          </p:cNvPr>
+          <p:cNvSpPr txBox="1"/>
+          <p:nvPr/>
+        </p:nvSpPr>
+        <p:spPr>
+          <a:xfrm>
+            <a:off x="7216514" y="4194645"/>
+            <a:ext cx="2178481" cy="369332"/>
+          </a:xfrm>
+          <a:prstGeom prst="rect">
+            <a:avLst/>
+          </a:prstGeom>
+          <a:noFill/>
+        </p:spPr>
+        <p:txBody>
+          <a:bodyPr wrap="none" rtlCol="0">
+            <a:spAutoFit/>
+          </a:bodyPr>
+          <a:lstStyle/>
+          <a:p>
+            <a:pPr algn="ctr"/>
+            <a:r>
+              <a:rPr lang="en-US" dirty="0"/>
+              <a:t>Git merge </a:t>
+            </a:r>
+            <a:r>
+              <a:rPr lang="en-US" dirty="0" err="1"/>
+              <a:t>firstbranch</a:t>
+            </a:r>
+            <a:endParaRPr lang="en-US" dirty="0"/>
           </a:p>
         </p:txBody>
       </p:sp>
     </p:spTree>
     <p:extLst>
       <p:ext uri="{BB962C8B-B14F-4D97-AF65-F5344CB8AC3E}">
-        <p14:creationId xmlns:p14="http://schemas.microsoft.com/office/powerpoint/2010/main" val="2628626324"/>
+        <p14:creationId xmlns:p14="http://schemas.microsoft.com/office/powerpoint/2010/main" val="2856890217"/>
+      </p:ext>
+    </p:extLst>
+  </p:cSld>
+  <p:clrMapOvr>
+    <a:overrideClrMapping bg1="lt1" tx1="dk1" bg2="lt2" tx2="dk2" accent1="accent1" accent2="accent2" accent3="accent3" accent4="accent4" accent5="accent5" accent6="accent6" hlink="hlink" folHlink="folHlink"/>
+  </p:clrMapOvr>
+</p:sld>
+</file>
+
+<file path=ppt/slides/slide7.xml><?xml version="1.0" encoding="utf-8"?>
+<p:sld xmlns:a="http://schemas.openxmlformats.org/drawingml/2006/main" xmlns:r="http://schemas.openxmlformats.org/officeDocument/2006/relationships" xmlns:p="http://schemas.openxmlformats.org/presentationml/2006/main">
+  <p:cSld>
+    <p:bg>
+      <p:bgPr>
+        <a:solidFill>
+          <a:srgbClr val="B8D0CD"/>
+        </a:solidFill>
+        <a:effectLst/>
+      </p:bgPr>
+    </p:bg>
+    <p:spTree>
+      <p:nvGrpSpPr>
+        <p:cNvPr id="1" name=""/>
+        <p:cNvGrpSpPr/>
+        <p:nvPr/>
+      </p:nvGrpSpPr>
+      <p:grpSpPr>
+        <a:xfrm>
+          <a:off x="0" y="0"/>
+          <a:ext cx="0" cy="0"/>
+          <a:chOff x="0" y="0"/>
+          <a:chExt cx="0" cy="0"/>
+        </a:xfrm>
+      </p:grpSpPr>
+      <p:sp>
+        <p:nvSpPr>
+          <p:cNvPr id="2" name="Title 1">
+            <a:extLst>
+              <a:ext uri="{FF2B5EF4-FFF2-40B4-BE49-F238E27FC236}">
+                <a16:creationId xmlns:a16="http://schemas.microsoft.com/office/drawing/2014/main" id="{F75D0340-8CE0-F3FB-E4D9-39689E7622A7}"/>
+              </a:ext>
+            </a:extLst>
+          </p:cNvPr>
+          <p:cNvSpPr>
+            <a:spLocks noGrp="1"/>
+          </p:cNvSpPr>
+          <p:nvPr>
+            <p:ph type="title"/>
+          </p:nvPr>
+        </p:nvSpPr>
+        <p:spPr>
+          <a:xfrm>
+            <a:off x="838199" y="365125"/>
+            <a:ext cx="11353801" cy="1325563"/>
+          </a:xfrm>
+        </p:spPr>
+        <p:txBody>
+          <a:bodyPr/>
+          <a:lstStyle/>
+          <a:p>
+            <a:pPr eaLnBrk="1" hangingPunct="1"/>
+            <a:r>
+              <a:rPr lang="en-US" altLang="en-US" dirty="0">
+                <a:latin typeface="Calibri" panose="020F0502020204030204" pitchFamily="34" charset="0"/>
+              </a:rPr>
+              <a:t>Branch vs Head</a:t>
+            </a:r>
+            <a:endParaRPr lang="en-US" altLang="en-US" dirty="0"/>
+          </a:p>
+        </p:txBody>
+      </p:sp>
+      <p:sp>
+        <p:nvSpPr>
+          <p:cNvPr id="3" name="Oval 2">
+            <a:extLst>
+              <a:ext uri="{FF2B5EF4-FFF2-40B4-BE49-F238E27FC236}">
+                <a16:creationId xmlns:a16="http://schemas.microsoft.com/office/drawing/2014/main" id="{7172D516-5F49-B0DE-21B0-F88C420A39AF}"/>
+              </a:ext>
+            </a:extLst>
+          </p:cNvPr>
+          <p:cNvSpPr/>
+          <p:nvPr/>
+        </p:nvSpPr>
+        <p:spPr>
+          <a:xfrm>
+            <a:off x="2475970" y="2540937"/>
+            <a:ext cx="957943" cy="957943"/>
+          </a:xfrm>
+          <a:prstGeom prst="ellipse">
+            <a:avLst/>
+          </a:prstGeom>
+          <a:noFill/>
+        </p:spPr>
+        <p:style>
+          <a:lnRef idx="2">
+            <a:schemeClr val="accent1">
+              <a:shade val="15000"/>
+            </a:schemeClr>
+          </a:lnRef>
+          <a:fillRef idx="1">
+            <a:schemeClr val="accent1"/>
+          </a:fillRef>
+          <a:effectRef idx="0">
+            <a:schemeClr val="accent1"/>
+          </a:effectRef>
+          <a:fontRef idx="minor">
+            <a:schemeClr val="lt1"/>
+          </a:fontRef>
+        </p:style>
+        <p:txBody>
+          <a:bodyPr rtlCol="0" anchor="ctr"/>
+          <a:lstStyle/>
+          <a:p>
+            <a:pPr algn="ctr"/>
+            <a:r>
+              <a:rPr lang="en-US" b="1" dirty="0">
+                <a:solidFill>
+                  <a:schemeClr val="tx1"/>
+                </a:solidFill>
+              </a:rPr>
+              <a:t>A</a:t>
+            </a:r>
+          </a:p>
+        </p:txBody>
+      </p:sp>
+      <p:sp>
+        <p:nvSpPr>
+          <p:cNvPr id="4" name="Oval 3">
+            <a:extLst>
+              <a:ext uri="{FF2B5EF4-FFF2-40B4-BE49-F238E27FC236}">
+                <a16:creationId xmlns:a16="http://schemas.microsoft.com/office/drawing/2014/main" id="{2F11279D-A009-1732-152A-A5CB53DC791D}"/>
+              </a:ext>
+            </a:extLst>
+          </p:cNvPr>
+          <p:cNvSpPr/>
+          <p:nvPr/>
+        </p:nvSpPr>
+        <p:spPr>
+          <a:xfrm>
+            <a:off x="6079493" y="2540936"/>
+            <a:ext cx="957943" cy="957943"/>
+          </a:xfrm>
+          <a:prstGeom prst="ellipse">
+            <a:avLst/>
+          </a:prstGeom>
+          <a:noFill/>
+        </p:spPr>
+        <p:style>
+          <a:lnRef idx="2">
+            <a:schemeClr val="accent1">
+              <a:shade val="15000"/>
+            </a:schemeClr>
+          </a:lnRef>
+          <a:fillRef idx="1">
+            <a:schemeClr val="accent1"/>
+          </a:fillRef>
+          <a:effectRef idx="0">
+            <a:schemeClr val="accent1"/>
+          </a:effectRef>
+          <a:fontRef idx="minor">
+            <a:schemeClr val="lt1"/>
+          </a:fontRef>
+        </p:style>
+        <p:txBody>
+          <a:bodyPr rtlCol="0" anchor="ctr"/>
+          <a:lstStyle/>
+          <a:p>
+            <a:pPr algn="ctr"/>
+            <a:r>
+              <a:rPr lang="en-US" b="1" dirty="0">
+                <a:solidFill>
+                  <a:schemeClr val="tx1"/>
+                </a:solidFill>
+              </a:rPr>
+              <a:t>C</a:t>
+            </a:r>
+          </a:p>
+        </p:txBody>
+      </p:sp>
+      <p:sp>
+        <p:nvSpPr>
+          <p:cNvPr id="6" name="Oval 5">
+            <a:extLst>
+              <a:ext uri="{FF2B5EF4-FFF2-40B4-BE49-F238E27FC236}">
+                <a16:creationId xmlns:a16="http://schemas.microsoft.com/office/drawing/2014/main" id="{AE226EED-D28E-71A8-B7FE-2BE8257BC1DB}"/>
+              </a:ext>
+            </a:extLst>
+          </p:cNvPr>
+          <p:cNvSpPr/>
+          <p:nvPr/>
+        </p:nvSpPr>
+        <p:spPr>
+          <a:xfrm>
+            <a:off x="4277731" y="2551822"/>
+            <a:ext cx="957943" cy="957943"/>
+          </a:xfrm>
+          <a:prstGeom prst="ellipse">
+            <a:avLst/>
+          </a:prstGeom>
+          <a:noFill/>
+        </p:spPr>
+        <p:style>
+          <a:lnRef idx="2">
+            <a:schemeClr val="accent1">
+              <a:shade val="15000"/>
+            </a:schemeClr>
+          </a:lnRef>
+          <a:fillRef idx="1">
+            <a:schemeClr val="accent1"/>
+          </a:fillRef>
+          <a:effectRef idx="0">
+            <a:schemeClr val="accent1"/>
+          </a:effectRef>
+          <a:fontRef idx="minor">
+            <a:schemeClr val="lt1"/>
+          </a:fontRef>
+        </p:style>
+        <p:txBody>
+          <a:bodyPr rtlCol="0" anchor="ctr"/>
+          <a:lstStyle/>
+          <a:p>
+            <a:pPr algn="ctr"/>
+            <a:r>
+              <a:rPr lang="en-US" b="1" dirty="0">
+                <a:solidFill>
+                  <a:schemeClr val="tx1"/>
+                </a:solidFill>
+              </a:rPr>
+              <a:t>B</a:t>
+            </a:r>
+          </a:p>
+        </p:txBody>
+      </p:sp>
+      <p:sp>
+        <p:nvSpPr>
+          <p:cNvPr id="8" name="Oval 7">
+            <a:extLst>
+              <a:ext uri="{FF2B5EF4-FFF2-40B4-BE49-F238E27FC236}">
+                <a16:creationId xmlns:a16="http://schemas.microsoft.com/office/drawing/2014/main" id="{26885304-7B4B-9030-50A8-1FCBB6546999}"/>
+              </a:ext>
+            </a:extLst>
+          </p:cNvPr>
+          <p:cNvSpPr/>
+          <p:nvPr/>
+        </p:nvSpPr>
+        <p:spPr>
+          <a:xfrm>
+            <a:off x="7051480" y="4420761"/>
+            <a:ext cx="957943" cy="957943"/>
+          </a:xfrm>
+          <a:prstGeom prst="ellipse">
+            <a:avLst/>
+          </a:prstGeom>
+          <a:noFill/>
+        </p:spPr>
+        <p:style>
+          <a:lnRef idx="2">
+            <a:schemeClr val="accent1">
+              <a:shade val="15000"/>
+            </a:schemeClr>
+          </a:lnRef>
+          <a:fillRef idx="1">
+            <a:schemeClr val="accent1"/>
+          </a:fillRef>
+          <a:effectRef idx="0">
+            <a:schemeClr val="accent1"/>
+          </a:effectRef>
+          <a:fontRef idx="minor">
+            <a:schemeClr val="lt1"/>
+          </a:fontRef>
+        </p:style>
+        <p:txBody>
+          <a:bodyPr rtlCol="0" anchor="ctr"/>
+          <a:lstStyle/>
+          <a:p>
+            <a:pPr algn="ctr"/>
+            <a:r>
+              <a:rPr lang="en-US" b="1" dirty="0">
+                <a:solidFill>
+                  <a:schemeClr val="tx1"/>
+                </a:solidFill>
+              </a:rPr>
+              <a:t>E</a:t>
+            </a:r>
+          </a:p>
+        </p:txBody>
+      </p:sp>
+      <p:sp>
+        <p:nvSpPr>
+          <p:cNvPr id="9" name="Oval 8">
+            <a:extLst>
+              <a:ext uri="{FF2B5EF4-FFF2-40B4-BE49-F238E27FC236}">
+                <a16:creationId xmlns:a16="http://schemas.microsoft.com/office/drawing/2014/main" id="{0DE005C8-4079-5420-B6BC-F2F704F0673D}"/>
+              </a:ext>
+            </a:extLst>
+          </p:cNvPr>
+          <p:cNvSpPr/>
+          <p:nvPr/>
+        </p:nvSpPr>
+        <p:spPr>
+          <a:xfrm>
+            <a:off x="5402821" y="4420761"/>
+            <a:ext cx="957943" cy="957943"/>
+          </a:xfrm>
+          <a:prstGeom prst="ellipse">
+            <a:avLst/>
+          </a:prstGeom>
+          <a:noFill/>
+        </p:spPr>
+        <p:style>
+          <a:lnRef idx="2">
+            <a:schemeClr val="accent1">
+              <a:shade val="15000"/>
+            </a:schemeClr>
+          </a:lnRef>
+          <a:fillRef idx="1">
+            <a:schemeClr val="accent1"/>
+          </a:fillRef>
+          <a:effectRef idx="0">
+            <a:schemeClr val="accent1"/>
+          </a:effectRef>
+          <a:fontRef idx="minor">
+            <a:schemeClr val="lt1"/>
+          </a:fontRef>
+        </p:style>
+        <p:txBody>
+          <a:bodyPr rtlCol="0" anchor="ctr"/>
+          <a:lstStyle/>
+          <a:p>
+            <a:pPr algn="ctr"/>
+            <a:r>
+              <a:rPr lang="en-US" b="1" dirty="0">
+                <a:solidFill>
+                  <a:schemeClr val="tx1"/>
+                </a:solidFill>
+              </a:rPr>
+              <a:t>D</a:t>
+            </a:r>
+          </a:p>
+        </p:txBody>
+      </p:sp>
+      <p:cxnSp>
+        <p:nvCxnSpPr>
+          <p:cNvPr id="11" name="Straight Arrow Connector 10">
+            <a:extLst>
+              <a:ext uri="{FF2B5EF4-FFF2-40B4-BE49-F238E27FC236}">
+                <a16:creationId xmlns:a16="http://schemas.microsoft.com/office/drawing/2014/main" id="{5D5C32B1-2D60-0B3A-9536-A43E37F103B6}"/>
+              </a:ext>
+            </a:extLst>
+          </p:cNvPr>
+          <p:cNvCxnSpPr>
+            <a:stCxn id="3" idx="6"/>
+            <a:endCxn id="6" idx="2"/>
+          </p:cNvCxnSpPr>
+          <p:nvPr/>
+        </p:nvCxnSpPr>
+        <p:spPr>
+          <a:xfrm>
+            <a:off x="3433913" y="3019909"/>
+            <a:ext cx="843818" cy="10885"/>
+          </a:xfrm>
+          <a:prstGeom prst="straightConnector1">
+            <a:avLst/>
+          </a:prstGeom>
+          <a:ln>
+            <a:tailEnd type="triangle"/>
+          </a:ln>
+        </p:spPr>
+        <p:style>
+          <a:lnRef idx="1">
+            <a:schemeClr val="accent1"/>
+          </a:lnRef>
+          <a:fillRef idx="0">
+            <a:schemeClr val="accent1"/>
+          </a:fillRef>
+          <a:effectRef idx="0">
+            <a:schemeClr val="accent1"/>
+          </a:effectRef>
+          <a:fontRef idx="minor">
+            <a:schemeClr val="tx1"/>
+          </a:fontRef>
+        </p:style>
+      </p:cxnSp>
+      <p:cxnSp>
+        <p:nvCxnSpPr>
+          <p:cNvPr id="13" name="Straight Arrow Connector 12">
+            <a:extLst>
+              <a:ext uri="{FF2B5EF4-FFF2-40B4-BE49-F238E27FC236}">
+                <a16:creationId xmlns:a16="http://schemas.microsoft.com/office/drawing/2014/main" id="{7A8A4B58-ECF5-C584-1686-5980907A97F6}"/>
+              </a:ext>
+            </a:extLst>
+          </p:cNvPr>
+          <p:cNvCxnSpPr>
+            <a:stCxn id="6" idx="6"/>
+            <a:endCxn id="4" idx="2"/>
+          </p:cNvCxnSpPr>
+          <p:nvPr/>
+        </p:nvCxnSpPr>
+        <p:spPr>
+          <a:xfrm flipV="1">
+            <a:off x="5235674" y="3019908"/>
+            <a:ext cx="843819" cy="10886"/>
+          </a:xfrm>
+          <a:prstGeom prst="straightConnector1">
+            <a:avLst/>
+          </a:prstGeom>
+          <a:ln>
+            <a:tailEnd type="triangle"/>
+          </a:ln>
+        </p:spPr>
+        <p:style>
+          <a:lnRef idx="1">
+            <a:schemeClr val="accent1"/>
+          </a:lnRef>
+          <a:fillRef idx="0">
+            <a:schemeClr val="accent1"/>
+          </a:fillRef>
+          <a:effectRef idx="0">
+            <a:schemeClr val="accent1"/>
+          </a:effectRef>
+          <a:fontRef idx="minor">
+            <a:schemeClr val="tx1"/>
+          </a:fontRef>
+        </p:style>
+      </p:cxnSp>
+      <p:cxnSp>
+        <p:nvCxnSpPr>
+          <p:cNvPr id="15" name="Curved Connector 14">
+            <a:extLst>
+              <a:ext uri="{FF2B5EF4-FFF2-40B4-BE49-F238E27FC236}">
+                <a16:creationId xmlns:a16="http://schemas.microsoft.com/office/drawing/2014/main" id="{57145D26-BAB6-CE98-1297-E9AECA31009C}"/>
+              </a:ext>
+            </a:extLst>
+          </p:cNvPr>
+          <p:cNvCxnSpPr>
+            <a:stCxn id="6" idx="4"/>
+            <a:endCxn id="9" idx="2"/>
+          </p:cNvCxnSpPr>
+          <p:nvPr/>
+        </p:nvCxnSpPr>
+        <p:spPr>
+          <a:xfrm rot="16200000" flipH="1">
+            <a:off x="4384778" y="3881690"/>
+            <a:ext cx="1389968" cy="646118"/>
+          </a:xfrm>
+          <a:prstGeom prst="curvedConnector2">
+            <a:avLst/>
+          </a:prstGeom>
+          <a:ln>
+            <a:tailEnd type="triangle"/>
+          </a:ln>
+        </p:spPr>
+        <p:style>
+          <a:lnRef idx="1">
+            <a:schemeClr val="accent1"/>
+          </a:lnRef>
+          <a:fillRef idx="0">
+            <a:schemeClr val="accent1"/>
+          </a:fillRef>
+          <a:effectRef idx="0">
+            <a:schemeClr val="accent1"/>
+          </a:effectRef>
+          <a:fontRef idx="minor">
+            <a:schemeClr val="tx1"/>
+          </a:fontRef>
+        </p:style>
+      </p:cxnSp>
+      <p:cxnSp>
+        <p:nvCxnSpPr>
+          <p:cNvPr id="17" name="Straight Arrow Connector 16">
+            <a:extLst>
+              <a:ext uri="{FF2B5EF4-FFF2-40B4-BE49-F238E27FC236}">
+                <a16:creationId xmlns:a16="http://schemas.microsoft.com/office/drawing/2014/main" id="{3FC34FBD-18D6-C6C7-C9D1-89E79D64457D}"/>
+              </a:ext>
+            </a:extLst>
+          </p:cNvPr>
+          <p:cNvCxnSpPr>
+            <a:stCxn id="9" idx="6"/>
+            <a:endCxn id="8" idx="2"/>
+          </p:cNvCxnSpPr>
+          <p:nvPr/>
+        </p:nvCxnSpPr>
+        <p:spPr>
+          <a:xfrm>
+            <a:off x="6360764" y="4899733"/>
+            <a:ext cx="690716" cy="0"/>
+          </a:xfrm>
+          <a:prstGeom prst="straightConnector1">
+            <a:avLst/>
+          </a:prstGeom>
+          <a:ln>
+            <a:tailEnd type="triangle"/>
+          </a:ln>
+        </p:spPr>
+        <p:style>
+          <a:lnRef idx="1">
+            <a:schemeClr val="accent1"/>
+          </a:lnRef>
+          <a:fillRef idx="0">
+            <a:schemeClr val="accent1"/>
+          </a:fillRef>
+          <a:effectRef idx="0">
+            <a:schemeClr val="accent1"/>
+          </a:effectRef>
+          <a:fontRef idx="minor">
+            <a:schemeClr val="tx1"/>
+          </a:fontRef>
+        </p:style>
+      </p:cxnSp>
+      <p:sp>
+        <p:nvSpPr>
+          <p:cNvPr id="18" name="TextBox 17">
+            <a:extLst>
+              <a:ext uri="{FF2B5EF4-FFF2-40B4-BE49-F238E27FC236}">
+                <a16:creationId xmlns:a16="http://schemas.microsoft.com/office/drawing/2014/main" id="{06E80F51-AE57-C39C-2D39-8377C44232E6}"/>
+              </a:ext>
+            </a:extLst>
+          </p:cNvPr>
+          <p:cNvSpPr txBox="1"/>
+          <p:nvPr/>
+        </p:nvSpPr>
+        <p:spPr>
+          <a:xfrm>
+            <a:off x="3855822" y="2153265"/>
+            <a:ext cx="1551835" cy="369332"/>
+          </a:xfrm>
+          <a:prstGeom prst="rect">
+            <a:avLst/>
+          </a:prstGeom>
+          <a:noFill/>
+        </p:spPr>
+        <p:txBody>
+          <a:bodyPr wrap="none" rtlCol="0">
+            <a:spAutoFit/>
+          </a:bodyPr>
+          <a:lstStyle/>
+          <a:p>
+            <a:r>
+              <a:rPr lang="en-US" dirty="0"/>
+              <a:t>Master branch</a:t>
+            </a:r>
+          </a:p>
+        </p:txBody>
+      </p:sp>
+      <p:sp>
+        <p:nvSpPr>
+          <p:cNvPr id="19" name="TextBox 18">
+            <a:extLst>
+              <a:ext uri="{FF2B5EF4-FFF2-40B4-BE49-F238E27FC236}">
+                <a16:creationId xmlns:a16="http://schemas.microsoft.com/office/drawing/2014/main" id="{788CB7F9-DBF9-6176-D774-F41E6A9E0F30}"/>
+              </a:ext>
+            </a:extLst>
+          </p:cNvPr>
+          <p:cNvSpPr txBox="1"/>
+          <p:nvPr/>
+        </p:nvSpPr>
+        <p:spPr>
+          <a:xfrm>
+            <a:off x="5881792" y="5437701"/>
+            <a:ext cx="1583510" cy="646331"/>
+          </a:xfrm>
+          <a:prstGeom prst="rect">
+            <a:avLst/>
+          </a:prstGeom>
+          <a:noFill/>
+        </p:spPr>
+        <p:txBody>
+          <a:bodyPr wrap="none" rtlCol="0">
+            <a:spAutoFit/>
+          </a:bodyPr>
+          <a:lstStyle/>
+          <a:p>
+            <a:pPr algn="ctr"/>
+            <a:r>
+              <a:rPr lang="en-US" dirty="0"/>
+              <a:t>Branch one</a:t>
+            </a:r>
+          </a:p>
+          <a:p>
+            <a:pPr algn="ctr"/>
+            <a:r>
+              <a:rPr lang="en-US" dirty="0"/>
+              <a:t>(active branch)</a:t>
+            </a:r>
+          </a:p>
+        </p:txBody>
+      </p:sp>
+      <p:sp>
+        <p:nvSpPr>
+          <p:cNvPr id="20" name="TextBox 19">
+            <a:extLst>
+              <a:ext uri="{FF2B5EF4-FFF2-40B4-BE49-F238E27FC236}">
+                <a16:creationId xmlns:a16="http://schemas.microsoft.com/office/drawing/2014/main" id="{7019B159-2F3B-882A-E17B-FD5D435244AD}"/>
+              </a:ext>
+            </a:extLst>
+          </p:cNvPr>
+          <p:cNvSpPr txBox="1"/>
+          <p:nvPr/>
+        </p:nvSpPr>
+        <p:spPr>
+          <a:xfrm>
+            <a:off x="8009423" y="5248858"/>
+            <a:ext cx="714363" cy="369332"/>
+          </a:xfrm>
+          <a:prstGeom prst="rect">
+            <a:avLst/>
+          </a:prstGeom>
+          <a:noFill/>
+        </p:spPr>
+        <p:txBody>
+          <a:bodyPr wrap="none" rtlCol="0">
+            <a:spAutoFit/>
+          </a:bodyPr>
+          <a:lstStyle/>
+          <a:p>
+            <a:r>
+              <a:rPr lang="en-US" dirty="0"/>
+              <a:t>HEAD</a:t>
+            </a:r>
+          </a:p>
+        </p:txBody>
+      </p:sp>
+    </p:spTree>
+    <p:extLst>
+      <p:ext uri="{BB962C8B-B14F-4D97-AF65-F5344CB8AC3E}">
+        <p14:creationId xmlns:p14="http://schemas.microsoft.com/office/powerpoint/2010/main" val="2101744532"/>
       </p:ext>
     </p:extLst>
   </p:cSld>
@@ -16028,4 +15906,47 @@
     </a:folHlink>
   </a:clrScheme>
 </a:themeOverride>
+</file>
+
+<file path=ppt/theme/themeOverride6.xml><?xml version="1.0" encoding="utf-8"?>
+<a:themeOverride xmlns:a="http://schemas.openxmlformats.org/drawingml/2006/main">
+  <a:clrScheme name="Office">
+    <a:dk1>
+      <a:sysClr val="windowText" lastClr="000000"/>
+    </a:dk1>
+    <a:lt1>
+      <a:sysClr val="window" lastClr="FFFFFF"/>
+    </a:lt1>
+    <a:dk2>
+      <a:srgbClr val="44546A"/>
+    </a:dk2>
+    <a:lt2>
+      <a:srgbClr val="E7E6E6"/>
+    </a:lt2>
+    <a:accent1>
+      <a:srgbClr val="4472C4"/>
+    </a:accent1>
+    <a:accent2>
+      <a:srgbClr val="ED7D31"/>
+    </a:accent2>
+    <a:accent3>
+      <a:srgbClr val="A5A5A5"/>
+    </a:accent3>
+    <a:accent4>
+      <a:srgbClr val="FFC000"/>
+    </a:accent4>
+    <a:accent5>
+      <a:srgbClr val="5B9BD5"/>
+    </a:accent5>
+    <a:accent6>
+      <a:srgbClr val="70AD47"/>
+    </a:accent6>
+    <a:hlink>
+      <a:srgbClr val="0563C1"/>
+    </a:hlink>
+    <a:folHlink>
+      <a:srgbClr val="954F72"/>
+    </a:folHlink>
+  </a:clrScheme>
+</a:themeOverride>
 </file>
--- a/05. Branch concept/Presentation/Branch concept.pptx
+++ b/05. Branch concept/Presentation/Branch concept.pptx
@@ -205,7 +205,7 @@
           <a:p>
             <a:fld id="{7387BF4C-1AC5-8047-9CB7-F6FE835C9ED7}" type="datetimeFigureOut">
               <a:rPr lang="en-US" smtClean="0"/>
-              <a:t>9/4/23</a:t>
+              <a:t>11/13/23</a:t>
             </a:fld>
             <a:endParaRPr lang="en-US"/>
           </a:p>
@@ -707,7 +707,7 @@
           <a:p>
             <a:fld id="{490E0566-2D9A-8349-94CE-22DF369B8F30}" type="datetime1">
               <a:rPr lang="en-US" smtClean="0"/>
-              <a:t>9/4/23</a:t>
+              <a:t>11/13/23</a:t>
             </a:fld>
             <a:endParaRPr lang="en-US"/>
           </a:p>
@@ -908,7 +908,7 @@
           <a:p>
             <a:fld id="{77D82A1C-DCCB-F942-B4C8-2616E50FC610}" type="datetime1">
               <a:rPr lang="en-US" smtClean="0"/>
-              <a:t>9/4/23</a:t>
+              <a:t>11/13/23</a:t>
             </a:fld>
             <a:endParaRPr lang="en-US"/>
           </a:p>
@@ -1119,7 +1119,7 @@
           <a:p>
             <a:fld id="{047ECBFF-73A1-A944-AFD4-F359C9557B10}" type="datetime1">
               <a:rPr lang="en-US" smtClean="0"/>
-              <a:t>9/4/23</a:t>
+              <a:t>11/13/23</a:t>
             </a:fld>
             <a:endParaRPr lang="en-US"/>
           </a:p>
@@ -1342,7 +1342,7 @@
           <a:p>
             <a:fld id="{490E0566-2D9A-8349-94CE-22DF369B8F30}" type="datetime1">
               <a:rPr lang="en-US" smtClean="0"/>
-              <a:t>9/4/23</a:t>
+              <a:t>11/13/23</a:t>
             </a:fld>
             <a:endParaRPr lang="en-US"/>
           </a:p>
@@ -1543,7 +1543,7 @@
           <a:p>
             <a:fld id="{F4C6DED6-70D8-F640-A3FF-0DAAD5020B2E}" type="datetime1">
               <a:rPr lang="en-US" smtClean="0"/>
-              <a:t>9/4/23</a:t>
+              <a:t>11/13/23</a:t>
             </a:fld>
             <a:endParaRPr lang="en-US"/>
           </a:p>
@@ -1821,7 +1821,7 @@
           <a:p>
             <a:fld id="{315BBD7F-BEBD-8A4D-8771-D6866751C9CB}" type="datetime1">
               <a:rPr lang="en-US" smtClean="0"/>
-              <a:t>9/4/23</a:t>
+              <a:t>11/13/23</a:t>
             </a:fld>
             <a:endParaRPr lang="en-US"/>
           </a:p>
@@ -2089,7 +2089,7 @@
           <a:p>
             <a:fld id="{732B2173-0BAA-D644-B2E1-15CD564136DA}" type="datetime1">
               <a:rPr lang="en-US" smtClean="0"/>
-              <a:t>9/4/23</a:t>
+              <a:t>11/13/23</a:t>
             </a:fld>
             <a:endParaRPr lang="en-US"/>
           </a:p>
@@ -2504,7 +2504,7 @@
           <a:p>
             <a:fld id="{460457B8-75DE-F14E-B35F-7D7AA7D67DC5}" type="datetime1">
               <a:rPr lang="en-US" smtClean="0"/>
-              <a:t>9/4/23</a:t>
+              <a:t>11/13/23</a:t>
             </a:fld>
             <a:endParaRPr lang="en-US"/>
           </a:p>
@@ -2648,7 +2648,7 @@
           <a:p>
             <a:fld id="{99E91BB6-5CF1-E946-8756-B969CA4EAC90}" type="datetime1">
               <a:rPr lang="en-US" smtClean="0"/>
-              <a:t>9/4/23</a:t>
+              <a:t>11/13/23</a:t>
             </a:fld>
             <a:endParaRPr lang="en-US"/>
           </a:p>
@@ -2764,7 +2764,7 @@
           <a:p>
             <a:fld id="{D3592C8E-4E5B-8D4D-9A2C-ED2D4214E42D}" type="datetime1">
               <a:rPr lang="en-US" smtClean="0"/>
-              <a:t>9/4/23</a:t>
+              <a:t>11/13/23</a:t>
             </a:fld>
             <a:endParaRPr lang="en-US"/>
           </a:p>
@@ -3078,7 +3078,7 @@
           <a:p>
             <a:fld id="{A185CA14-CC43-E04C-A1B9-DA538B78C78B}" type="datetime1">
               <a:rPr lang="en-US" smtClean="0"/>
-              <a:t>9/4/23</a:t>
+              <a:t>11/13/23</a:t>
             </a:fld>
             <a:endParaRPr lang="en-US"/>
           </a:p>
@@ -3279,7 +3279,7 @@
           <a:p>
             <a:fld id="{F4C6DED6-70D8-F640-A3FF-0DAAD5020B2E}" type="datetime1">
               <a:rPr lang="en-US" smtClean="0"/>
-              <a:t>9/4/23</a:t>
+              <a:t>11/13/23</a:t>
             </a:fld>
             <a:endParaRPr lang="en-US"/>
           </a:p>
@@ -3570,7 +3570,7 @@
           <a:p>
             <a:fld id="{7BFD17D5-B327-1746-9545-80B79DBEEDDD}" type="datetime1">
               <a:rPr lang="en-US" smtClean="0"/>
-              <a:t>9/4/23</a:t>
+              <a:t>11/13/23</a:t>
             </a:fld>
             <a:endParaRPr lang="en-US"/>
           </a:p>
@@ -3771,7 +3771,7 @@
           <a:p>
             <a:fld id="{77D82A1C-DCCB-F942-B4C8-2616E50FC610}" type="datetime1">
               <a:rPr lang="en-US" smtClean="0"/>
-              <a:t>9/4/23</a:t>
+              <a:t>11/13/23</a:t>
             </a:fld>
             <a:endParaRPr lang="en-US"/>
           </a:p>
@@ -3982,7 +3982,7 @@
           <a:p>
             <a:fld id="{047ECBFF-73A1-A944-AFD4-F359C9557B10}" type="datetime1">
               <a:rPr lang="en-US" smtClean="0"/>
-              <a:t>9/4/23</a:t>
+              <a:t>11/13/23</a:t>
             </a:fld>
             <a:endParaRPr lang="en-US"/>
           </a:p>
@@ -4205,7 +4205,7 @@
           <a:p>
             <a:fld id="{490E0566-2D9A-8349-94CE-22DF369B8F30}" type="datetime1">
               <a:rPr lang="en-US" smtClean="0"/>
-              <a:t>9/4/23</a:t>
+              <a:t>11/13/23</a:t>
             </a:fld>
             <a:endParaRPr lang="en-US"/>
           </a:p>
@@ -4406,7 +4406,7 @@
           <a:p>
             <a:fld id="{F4C6DED6-70D8-F640-A3FF-0DAAD5020B2E}" type="datetime1">
               <a:rPr lang="en-US" smtClean="0"/>
-              <a:t>9/4/23</a:t>
+              <a:t>11/13/23</a:t>
             </a:fld>
             <a:endParaRPr lang="en-US"/>
           </a:p>
@@ -4684,7 +4684,7 @@
           <a:p>
             <a:fld id="{315BBD7F-BEBD-8A4D-8771-D6866751C9CB}" type="datetime1">
               <a:rPr lang="en-US" smtClean="0"/>
-              <a:t>9/4/23</a:t>
+              <a:t>11/13/23</a:t>
             </a:fld>
             <a:endParaRPr lang="en-US"/>
           </a:p>
@@ -4952,7 +4952,7 @@
           <a:p>
             <a:fld id="{732B2173-0BAA-D644-B2E1-15CD564136DA}" type="datetime1">
               <a:rPr lang="en-US" smtClean="0"/>
-              <a:t>9/4/23</a:t>
+              <a:t>11/13/23</a:t>
             </a:fld>
             <a:endParaRPr lang="en-US"/>
           </a:p>
@@ -5367,7 +5367,7 @@
           <a:p>
             <a:fld id="{460457B8-75DE-F14E-B35F-7D7AA7D67DC5}" type="datetime1">
               <a:rPr lang="en-US" smtClean="0"/>
-              <a:t>9/4/23</a:t>
+              <a:t>11/13/23</a:t>
             </a:fld>
             <a:endParaRPr lang="en-US"/>
           </a:p>
@@ -5511,7 +5511,7 @@
           <a:p>
             <a:fld id="{99E91BB6-5CF1-E946-8756-B969CA4EAC90}" type="datetime1">
               <a:rPr lang="en-US" smtClean="0"/>
-              <a:t>9/4/23</a:t>
+              <a:t>11/13/23</a:t>
             </a:fld>
             <a:endParaRPr lang="en-US"/>
           </a:p>
@@ -5627,7 +5627,7 @@
           <a:p>
             <a:fld id="{D3592C8E-4E5B-8D4D-9A2C-ED2D4214E42D}" type="datetime1">
               <a:rPr lang="en-US" smtClean="0"/>
-              <a:t>9/4/23</a:t>
+              <a:t>11/13/23</a:t>
             </a:fld>
             <a:endParaRPr lang="en-US"/>
           </a:p>
@@ -5905,7 +5905,7 @@
           <a:p>
             <a:fld id="{315BBD7F-BEBD-8A4D-8771-D6866751C9CB}" type="datetime1">
               <a:rPr lang="en-US" smtClean="0"/>
-              <a:t>9/4/23</a:t>
+              <a:t>11/13/23</a:t>
             </a:fld>
             <a:endParaRPr lang="en-US"/>
           </a:p>
@@ -6219,7 +6219,7 @@
           <a:p>
             <a:fld id="{A185CA14-CC43-E04C-A1B9-DA538B78C78B}" type="datetime1">
               <a:rPr lang="en-US" smtClean="0"/>
-              <a:t>9/4/23</a:t>
+              <a:t>11/13/23</a:t>
             </a:fld>
             <a:endParaRPr lang="en-US"/>
           </a:p>
@@ -6510,7 +6510,7 @@
           <a:p>
             <a:fld id="{7BFD17D5-B327-1746-9545-80B79DBEEDDD}" type="datetime1">
               <a:rPr lang="en-US" smtClean="0"/>
-              <a:t>9/4/23</a:t>
+              <a:t>11/13/23</a:t>
             </a:fld>
             <a:endParaRPr lang="en-US"/>
           </a:p>
@@ -6711,7 +6711,7 @@
           <a:p>
             <a:fld id="{77D82A1C-DCCB-F942-B4C8-2616E50FC610}" type="datetime1">
               <a:rPr lang="en-US" smtClean="0"/>
-              <a:t>9/4/23</a:t>
+              <a:t>11/13/23</a:t>
             </a:fld>
             <a:endParaRPr lang="en-US"/>
           </a:p>
@@ -6922,7 +6922,7 @@
           <a:p>
             <a:fld id="{047ECBFF-73A1-A944-AFD4-F359C9557B10}" type="datetime1">
               <a:rPr lang="en-US" smtClean="0"/>
-              <a:t>9/4/23</a:t>
+              <a:t>11/13/23</a:t>
             </a:fld>
             <a:endParaRPr lang="en-US"/>
           </a:p>
@@ -7190,7 +7190,7 @@
           <a:p>
             <a:fld id="{732B2173-0BAA-D644-B2E1-15CD564136DA}" type="datetime1">
               <a:rPr lang="en-US" smtClean="0"/>
-              <a:t>9/4/23</a:t>
+              <a:t>11/13/23</a:t>
             </a:fld>
             <a:endParaRPr lang="en-US"/>
           </a:p>
@@ -7605,7 +7605,7 @@
           <a:p>
             <a:fld id="{460457B8-75DE-F14E-B35F-7D7AA7D67DC5}" type="datetime1">
               <a:rPr lang="en-US" smtClean="0"/>
-              <a:t>9/4/23</a:t>
+              <a:t>11/13/23</a:t>
             </a:fld>
             <a:endParaRPr lang="en-US"/>
           </a:p>
@@ -7749,7 +7749,7 @@
           <a:p>
             <a:fld id="{99E91BB6-5CF1-E946-8756-B969CA4EAC90}" type="datetime1">
               <a:rPr lang="en-US" smtClean="0"/>
-              <a:t>9/4/23</a:t>
+              <a:t>11/13/23</a:t>
             </a:fld>
             <a:endParaRPr lang="en-US"/>
           </a:p>
@@ -7865,7 +7865,7 @@
           <a:p>
             <a:fld id="{D3592C8E-4E5B-8D4D-9A2C-ED2D4214E42D}" type="datetime1">
               <a:rPr lang="en-US" smtClean="0"/>
-              <a:t>9/4/23</a:t>
+              <a:t>11/13/23</a:t>
             </a:fld>
             <a:endParaRPr lang="en-US"/>
           </a:p>
@@ -8179,7 +8179,7 @@
           <a:p>
             <a:fld id="{A185CA14-CC43-E04C-A1B9-DA538B78C78B}" type="datetime1">
               <a:rPr lang="en-US" smtClean="0"/>
-              <a:t>9/4/23</a:t>
+              <a:t>11/13/23</a:t>
             </a:fld>
             <a:endParaRPr lang="en-US"/>
           </a:p>
@@ -8470,7 +8470,7 @@
           <a:p>
             <a:fld id="{7BFD17D5-B327-1746-9545-80B79DBEEDDD}" type="datetime1">
               <a:rPr lang="en-US" smtClean="0"/>
-              <a:t>9/4/23</a:t>
+              <a:t>11/13/23</a:t>
             </a:fld>
             <a:endParaRPr lang="en-US"/>
           </a:p>
@@ -8717,7 +8717,7 @@
           <a:p>
             <a:fld id="{0362EEAF-02AB-9644-9FA5-CC38EBED914C}" type="datetime1">
               <a:rPr lang="en-US" smtClean="0"/>
-              <a:t>9/4/23</a:t>
+              <a:t>11/13/23</a:t>
             </a:fld>
             <a:endParaRPr lang="en-US"/>
           </a:p>
@@ -9292,7 +9292,7 @@
           <a:p>
             <a:fld id="{0362EEAF-02AB-9644-9FA5-CC38EBED914C}" type="datetime1">
               <a:rPr lang="en-US" smtClean="0"/>
-              <a:t>9/4/23</a:t>
+              <a:t>11/13/23</a:t>
             </a:fld>
             <a:endParaRPr lang="en-US"/>
           </a:p>
@@ -9867,7 +9867,7 @@
           <a:p>
             <a:fld id="{0362EEAF-02AB-9644-9FA5-CC38EBED914C}" type="datetime1">
               <a:rPr lang="en-US" smtClean="0"/>
-              <a:t>9/4/23</a:t>
+              <a:t>11/13/23</a:t>
             </a:fld>
             <a:endParaRPr lang="en-US"/>
           </a:p>
